--- a/Presentation.pptx
+++ b/Presentation.pptx
@@ -10,8 +10,10 @@
     <p:sldId id="258" r:id="rId4"/>
     <p:sldId id="259" r:id="rId5"/>
     <p:sldId id="260" r:id="rId6"/>
-    <p:sldId id="261" r:id="rId7"/>
-    <p:sldId id="262" r:id="rId8"/>
+    <p:sldId id="263" r:id="rId7"/>
+    <p:sldId id="264" r:id="rId8"/>
+    <p:sldId id="261" r:id="rId9"/>
+    <p:sldId id="262" r:id="rId10"/>
   </p:sldIdLst>
   <p:sldSz cx="12192000" cy="6858000"/>
   <p:notesSz cx="6858000" cy="9144000"/>
@@ -8207,6 +8209,172 @@
           <p:cNvPr id="2" name="Title 1">
             <a:extLst>
               <a:ext uri="{FF2B5EF4-FFF2-40B4-BE49-F238E27FC236}">
+                <a16:creationId xmlns:a16="http://schemas.microsoft.com/office/drawing/2014/main" id="{4A172D20-F2E8-EC4B-89F6-B0E060092F10}"/>
+              </a:ext>
+            </a:extLst>
+          </p:cNvPr>
+          <p:cNvSpPr>
+            <a:spLocks noGrp="1"/>
+          </p:cNvSpPr>
+          <p:nvPr>
+            <p:ph type="title"/>
+          </p:nvPr>
+        </p:nvSpPr>
+        <p:spPr/>
+        <p:txBody>
+          <a:bodyPr/>
+          <a:lstStyle/>
+          <a:p>
+            <a:r>
+              <a:rPr lang="en-US" dirty="0"/>
+              <a:t>Models</a:t>
+            </a:r>
+          </a:p>
+        </p:txBody>
+      </p:sp>
+      <p:sp>
+        <p:nvSpPr>
+          <p:cNvPr id="3" name="Content Placeholder 2">
+            <a:extLst>
+              <a:ext uri="{FF2B5EF4-FFF2-40B4-BE49-F238E27FC236}">
+                <a16:creationId xmlns:a16="http://schemas.microsoft.com/office/drawing/2014/main" id="{96E282FF-42B9-E74B-B123-6A4B00948825}"/>
+              </a:ext>
+            </a:extLst>
+          </p:cNvPr>
+          <p:cNvSpPr>
+            <a:spLocks noGrp="1"/>
+          </p:cNvSpPr>
+          <p:nvPr>
+            <p:ph idx="1"/>
+          </p:nvPr>
+        </p:nvSpPr>
+        <p:spPr/>
+        <p:txBody>
+          <a:bodyPr/>
+          <a:lstStyle/>
+          <a:p>
+            <a:endParaRPr lang="en-US"/>
+          </a:p>
+        </p:txBody>
+      </p:sp>
+    </p:spTree>
+    <p:extLst>
+      <p:ext uri="{BB962C8B-B14F-4D97-AF65-F5344CB8AC3E}">
+        <p14:creationId xmlns:p14="http://schemas.microsoft.com/office/powerpoint/2010/main" val="2788533150"/>
+      </p:ext>
+    </p:extLst>
+  </p:cSld>
+  <p:clrMapOvr>
+    <a:masterClrMapping/>
+  </p:clrMapOvr>
+</p:sld>
+</file>
+
+<file path=ppt/slides/slide7.xml><?xml version="1.0" encoding="utf-8"?>
+<p:sld xmlns:a="http://schemas.openxmlformats.org/drawingml/2006/main" xmlns:r="http://schemas.openxmlformats.org/officeDocument/2006/relationships" xmlns:p="http://schemas.openxmlformats.org/presentationml/2006/main">
+  <p:cSld>
+    <p:spTree>
+      <p:nvGrpSpPr>
+        <p:cNvPr id="1" name=""/>
+        <p:cNvGrpSpPr/>
+        <p:nvPr/>
+      </p:nvGrpSpPr>
+      <p:grpSpPr>
+        <a:xfrm>
+          <a:off x="0" y="0"/>
+          <a:ext cx="0" cy="0"/>
+          <a:chOff x="0" y="0"/>
+          <a:chExt cx="0" cy="0"/>
+        </a:xfrm>
+      </p:grpSpPr>
+      <p:sp>
+        <p:nvSpPr>
+          <p:cNvPr id="2" name="Title 1">
+            <a:extLst>
+              <a:ext uri="{FF2B5EF4-FFF2-40B4-BE49-F238E27FC236}">
+                <a16:creationId xmlns:a16="http://schemas.microsoft.com/office/drawing/2014/main" id="{3CA3D735-149B-6946-B9B9-C329FFA2843F}"/>
+              </a:ext>
+            </a:extLst>
+          </p:cNvPr>
+          <p:cNvSpPr>
+            <a:spLocks noGrp="1"/>
+          </p:cNvSpPr>
+          <p:nvPr>
+            <p:ph type="title"/>
+          </p:nvPr>
+        </p:nvSpPr>
+        <p:spPr/>
+        <p:txBody>
+          <a:bodyPr/>
+          <a:lstStyle/>
+          <a:p>
+            <a:r>
+              <a:rPr lang="en-US" dirty="0"/>
+              <a:t>Tableau</a:t>
+            </a:r>
+          </a:p>
+        </p:txBody>
+      </p:sp>
+      <p:sp>
+        <p:nvSpPr>
+          <p:cNvPr id="3" name="Content Placeholder 2">
+            <a:extLst>
+              <a:ext uri="{FF2B5EF4-FFF2-40B4-BE49-F238E27FC236}">
+                <a16:creationId xmlns:a16="http://schemas.microsoft.com/office/drawing/2014/main" id="{1FB6594F-4131-AE43-ABE6-5F997BCD7556}"/>
+              </a:ext>
+            </a:extLst>
+          </p:cNvPr>
+          <p:cNvSpPr>
+            <a:spLocks noGrp="1"/>
+          </p:cNvSpPr>
+          <p:nvPr>
+            <p:ph idx="1"/>
+          </p:nvPr>
+        </p:nvSpPr>
+        <p:spPr/>
+        <p:txBody>
+          <a:bodyPr/>
+          <a:lstStyle/>
+          <a:p>
+            <a:endParaRPr lang="en-US" dirty="0"/>
+          </a:p>
+        </p:txBody>
+      </p:sp>
+    </p:spTree>
+    <p:extLst>
+      <p:ext uri="{BB962C8B-B14F-4D97-AF65-F5344CB8AC3E}">
+        <p14:creationId xmlns:p14="http://schemas.microsoft.com/office/powerpoint/2010/main" val="1258009972"/>
+      </p:ext>
+    </p:extLst>
+  </p:cSld>
+  <p:clrMapOvr>
+    <a:masterClrMapping/>
+  </p:clrMapOvr>
+</p:sld>
+</file>
+
+<file path=ppt/slides/slide8.xml><?xml version="1.0" encoding="utf-8"?>
+<p:sld xmlns:a="http://schemas.openxmlformats.org/drawingml/2006/main" xmlns:r="http://schemas.openxmlformats.org/officeDocument/2006/relationships" xmlns:p="http://schemas.openxmlformats.org/presentationml/2006/main">
+  <p:cSld>
+    <p:spTree>
+      <p:nvGrpSpPr>
+        <p:cNvPr id="1" name=""/>
+        <p:cNvGrpSpPr/>
+        <p:nvPr/>
+      </p:nvGrpSpPr>
+      <p:grpSpPr>
+        <a:xfrm>
+          <a:off x="0" y="0"/>
+          <a:ext cx="0" cy="0"/>
+          <a:chOff x="0" y="0"/>
+          <a:chExt cx="0" cy="0"/>
+        </a:xfrm>
+      </p:grpSpPr>
+      <p:sp>
+        <p:nvSpPr>
+          <p:cNvPr id="2" name="Title 1">
+            <a:extLst>
+              <a:ext uri="{FF2B5EF4-FFF2-40B4-BE49-F238E27FC236}">
                 <a16:creationId xmlns:a16="http://schemas.microsoft.com/office/drawing/2014/main" id="{C0250D79-0A89-1F42-AFAA-8FFE246E9CC8}"/>
               </a:ext>
             </a:extLst>
@@ -8243,7 +8411,7 @@
 </p:sld>
 </file>
 
-<file path=ppt/slides/slide7.xml><?xml version="1.0" encoding="utf-8"?>
+<file path=ppt/slides/slide9.xml><?xml version="1.0" encoding="utf-8"?>
 <p:sld xmlns:a="http://schemas.openxmlformats.org/drawingml/2006/main" xmlns:r="http://schemas.openxmlformats.org/officeDocument/2006/relationships" xmlns:p="http://schemas.openxmlformats.org/presentationml/2006/main">
   <p:cSld>
     <p:spTree>

--- a/Presentation.pptx
+++ b/Presentation.pptx
@@ -10,7 +10,7 @@
     <p:sldId id="258" r:id="rId4"/>
     <p:sldId id="259" r:id="rId5"/>
     <p:sldId id="260" r:id="rId6"/>
-    <p:sldId id="263" r:id="rId7"/>
+    <p:sldId id="265" r:id="rId7"/>
     <p:sldId id="264" r:id="rId8"/>
     <p:sldId id="261" r:id="rId9"/>
     <p:sldId id="262" r:id="rId10"/>
@@ -8209,7 +8209,7 @@
           <p:cNvPr id="2" name="Title 1">
             <a:extLst>
               <a:ext uri="{FF2B5EF4-FFF2-40B4-BE49-F238E27FC236}">
-                <a16:creationId xmlns:a16="http://schemas.microsoft.com/office/drawing/2014/main" id="{4A172D20-F2E8-EC4B-89F6-B0E060092F10}"/>
+                <a16:creationId xmlns:a16="http://schemas.microsoft.com/office/drawing/2014/main" id="{296CA22D-BEC8-084B-98BD-7A6FCACD23D5}"/>
               </a:ext>
             </a:extLst>
           </p:cNvPr>
@@ -8234,10 +8234,10 @@
       </p:sp>
       <p:sp>
         <p:nvSpPr>
-          <p:cNvPr id="3" name="Content Placeholder 2">
+          <p:cNvPr id="3" name="Text Placeholder 2">
             <a:extLst>
               <a:ext uri="{FF2B5EF4-FFF2-40B4-BE49-F238E27FC236}">
-                <a16:creationId xmlns:a16="http://schemas.microsoft.com/office/drawing/2014/main" id="{96E282FF-42B9-E74B-B123-6A4B00948825}"/>
+                <a16:creationId xmlns:a16="http://schemas.microsoft.com/office/drawing/2014/main" id="{AC27843F-005A-D845-9E48-ED58663A6F86}"/>
               </a:ext>
             </a:extLst>
           </p:cNvPr>
@@ -8245,7 +8245,7 @@
             <a:spLocks noGrp="1"/>
           </p:cNvSpPr>
           <p:nvPr>
-            <p:ph idx="1"/>
+            <p:ph type="body" idx="1"/>
           </p:nvPr>
         </p:nvSpPr>
         <p:spPr/>
@@ -8257,10 +8257,285 @@
           </a:p>
         </p:txBody>
       </p:sp>
+      <p:sp>
+        <p:nvSpPr>
+          <p:cNvPr id="4" name="Text Placeholder 3">
+            <a:extLst>
+              <a:ext uri="{FF2B5EF4-FFF2-40B4-BE49-F238E27FC236}">
+                <a16:creationId xmlns:a16="http://schemas.microsoft.com/office/drawing/2014/main" id="{EA5FCBBC-F0C2-764A-B5BC-9577D44E83D3}"/>
+              </a:ext>
+            </a:extLst>
+          </p:cNvPr>
+          <p:cNvSpPr>
+            <a:spLocks noGrp="1"/>
+          </p:cNvSpPr>
+          <p:nvPr>
+            <p:ph type="body" sz="half" idx="15"/>
+          </p:nvPr>
+        </p:nvSpPr>
+        <p:spPr/>
+        <p:txBody>
+          <a:bodyPr/>
+          <a:lstStyle/>
+          <a:p>
+            <a:endParaRPr lang="en-US"/>
+          </a:p>
+        </p:txBody>
+      </p:sp>
+      <p:sp>
+        <p:nvSpPr>
+          <p:cNvPr id="5" name="Text Placeholder 4">
+            <a:extLst>
+              <a:ext uri="{FF2B5EF4-FFF2-40B4-BE49-F238E27FC236}">
+                <a16:creationId xmlns:a16="http://schemas.microsoft.com/office/drawing/2014/main" id="{221149AC-BF30-3A4F-AAE4-F4D22EEEB4F4}"/>
+              </a:ext>
+            </a:extLst>
+          </p:cNvPr>
+          <p:cNvSpPr>
+            <a:spLocks noGrp="1"/>
+          </p:cNvSpPr>
+          <p:nvPr>
+            <p:ph type="body" sz="quarter" idx="3"/>
+          </p:nvPr>
+        </p:nvSpPr>
+        <p:spPr/>
+        <p:txBody>
+          <a:bodyPr/>
+          <a:lstStyle/>
+          <a:p>
+            <a:endParaRPr lang="en-US"/>
+          </a:p>
+        </p:txBody>
+      </p:sp>
+      <p:sp>
+        <p:nvSpPr>
+          <p:cNvPr id="6" name="Text Placeholder 5">
+            <a:extLst>
+              <a:ext uri="{FF2B5EF4-FFF2-40B4-BE49-F238E27FC236}">
+                <a16:creationId xmlns:a16="http://schemas.microsoft.com/office/drawing/2014/main" id="{189A6154-505D-714D-B717-8C185A56F355}"/>
+              </a:ext>
+            </a:extLst>
+          </p:cNvPr>
+          <p:cNvSpPr>
+            <a:spLocks noGrp="1"/>
+          </p:cNvSpPr>
+          <p:nvPr>
+            <p:ph type="body" sz="half" idx="16"/>
+          </p:nvPr>
+        </p:nvSpPr>
+        <p:spPr/>
+        <p:txBody>
+          <a:bodyPr/>
+          <a:lstStyle/>
+          <a:p>
+            <a:endParaRPr lang="en-US" dirty="0"/>
+          </a:p>
+        </p:txBody>
+      </p:sp>
+      <p:sp>
+        <p:nvSpPr>
+          <p:cNvPr id="7" name="Text Placeholder 6">
+            <a:extLst>
+              <a:ext uri="{FF2B5EF4-FFF2-40B4-BE49-F238E27FC236}">
+                <a16:creationId xmlns:a16="http://schemas.microsoft.com/office/drawing/2014/main" id="{6E40BEB8-5204-3741-9984-65773DEF74B5}"/>
+              </a:ext>
+            </a:extLst>
+          </p:cNvPr>
+          <p:cNvSpPr>
+            <a:spLocks noGrp="1"/>
+          </p:cNvSpPr>
+          <p:nvPr>
+            <p:ph type="body" sz="quarter" idx="13"/>
+          </p:nvPr>
+        </p:nvSpPr>
+        <p:spPr/>
+        <p:txBody>
+          <a:bodyPr/>
+          <a:lstStyle/>
+          <a:p>
+            <a:endParaRPr lang="en-US"/>
+          </a:p>
+        </p:txBody>
+      </p:sp>
+      <p:sp>
+        <p:nvSpPr>
+          <p:cNvPr id="8" name="Text Placeholder 7">
+            <a:extLst>
+              <a:ext uri="{FF2B5EF4-FFF2-40B4-BE49-F238E27FC236}">
+                <a16:creationId xmlns:a16="http://schemas.microsoft.com/office/drawing/2014/main" id="{D308EDD4-EA25-324F-B1D7-326706DEB949}"/>
+              </a:ext>
+            </a:extLst>
+          </p:cNvPr>
+          <p:cNvSpPr>
+            <a:spLocks noGrp="1"/>
+          </p:cNvSpPr>
+          <p:nvPr>
+            <p:ph type="body" sz="half" idx="17"/>
+          </p:nvPr>
+        </p:nvSpPr>
+        <p:spPr/>
+        <p:txBody>
+          <a:bodyPr/>
+          <a:lstStyle/>
+          <a:p>
+            <a:endParaRPr lang="en-US"/>
+          </a:p>
+        </p:txBody>
+      </p:sp>
+      <p:pic>
+        <p:nvPicPr>
+          <p:cNvPr id="10" name="Picture 9" descr="Text, letter&#10;&#10;Description automatically generated">
+            <a:extLst>
+              <a:ext uri="{FF2B5EF4-FFF2-40B4-BE49-F238E27FC236}">
+                <a16:creationId xmlns:a16="http://schemas.microsoft.com/office/drawing/2014/main" id="{B95FE5B8-C122-1543-8358-D777DE0F6111}"/>
+              </a:ext>
+            </a:extLst>
+          </p:cNvPr>
+          <p:cNvPicPr>
+            <a:picLocks noChangeAspect="1"/>
+          </p:cNvPicPr>
+          <p:nvPr/>
+        </p:nvPicPr>
+        <p:blipFill>
+          <a:blip r:embed="rId2"/>
+          <a:stretch>
+            <a:fillRect/>
+          </a:stretch>
+        </p:blipFill>
+        <p:spPr>
+          <a:xfrm>
+            <a:off x="646111" y="3024981"/>
+            <a:ext cx="2922195" cy="1710440"/>
+          </a:xfrm>
+          <a:prstGeom prst="rect">
+            <a:avLst/>
+          </a:prstGeom>
+        </p:spPr>
+      </p:pic>
+      <p:pic>
+        <p:nvPicPr>
+          <p:cNvPr id="12" name="Picture 11" descr="Graphical user interface, text, application&#10;&#10;Description automatically generated">
+            <a:extLst>
+              <a:ext uri="{FF2B5EF4-FFF2-40B4-BE49-F238E27FC236}">
+                <a16:creationId xmlns:a16="http://schemas.microsoft.com/office/drawing/2014/main" id="{96BE63D1-FEAB-E644-A12E-1D725FFBFC5E}"/>
+              </a:ext>
+            </a:extLst>
+          </p:cNvPr>
+          <p:cNvPicPr>
+            <a:picLocks noChangeAspect="1"/>
+          </p:cNvPicPr>
+          <p:nvPr/>
+        </p:nvPicPr>
+        <p:blipFill>
+          <a:blip r:embed="rId3"/>
+          <a:stretch>
+            <a:fillRect/>
+          </a:stretch>
+        </p:blipFill>
+        <p:spPr>
+          <a:xfrm>
+            <a:off x="3892156" y="3024345"/>
+            <a:ext cx="3002338" cy="1741451"/>
+          </a:xfrm>
+          <a:prstGeom prst="rect">
+            <a:avLst/>
+          </a:prstGeom>
+        </p:spPr>
+      </p:pic>
+      <p:pic>
+        <p:nvPicPr>
+          <p:cNvPr id="14" name="Picture 13" descr="Graphical user interface, text&#10;&#10;Description automatically generated">
+            <a:extLst>
+              <a:ext uri="{FF2B5EF4-FFF2-40B4-BE49-F238E27FC236}">
+                <a16:creationId xmlns:a16="http://schemas.microsoft.com/office/drawing/2014/main" id="{722ACE61-6863-604D-8D96-F2C8D28BCB8C}"/>
+              </a:ext>
+            </a:extLst>
+          </p:cNvPr>
+          <p:cNvPicPr>
+            <a:picLocks noChangeAspect="1"/>
+          </p:cNvPicPr>
+          <p:nvPr/>
+        </p:nvPicPr>
+        <p:blipFill>
+          <a:blip r:embed="rId4"/>
+          <a:stretch>
+            <a:fillRect/>
+          </a:stretch>
+        </p:blipFill>
+        <p:spPr>
+          <a:xfrm>
+            <a:off x="7124700" y="2787969"/>
+            <a:ext cx="2926134" cy="2605720"/>
+          </a:xfrm>
+          <a:prstGeom prst="rect">
+            <a:avLst/>
+          </a:prstGeom>
+        </p:spPr>
+      </p:pic>
+      <p:pic>
+        <p:nvPicPr>
+          <p:cNvPr id="16" name="Picture 15" descr="Graphical user interface, text&#10;&#10;Description automatically generated">
+            <a:extLst>
+              <a:ext uri="{FF2B5EF4-FFF2-40B4-BE49-F238E27FC236}">
+                <a16:creationId xmlns:a16="http://schemas.microsoft.com/office/drawing/2014/main" id="{36DC6256-C8A5-F345-A984-6C43D34A2953}"/>
+              </a:ext>
+            </a:extLst>
+          </p:cNvPr>
+          <p:cNvPicPr>
+            <a:picLocks noChangeAspect="1"/>
+          </p:cNvPicPr>
+          <p:nvPr/>
+        </p:nvPicPr>
+        <p:blipFill>
+          <a:blip r:embed="rId5"/>
+          <a:stretch>
+            <a:fillRect/>
+          </a:stretch>
+        </p:blipFill>
+        <p:spPr>
+          <a:xfrm>
+            <a:off x="7113193" y="5217884"/>
+            <a:ext cx="2926134" cy="1038454"/>
+          </a:xfrm>
+          <a:prstGeom prst="rect">
+            <a:avLst/>
+          </a:prstGeom>
+        </p:spPr>
+      </p:pic>
+      <p:pic>
+        <p:nvPicPr>
+          <p:cNvPr id="17" name="Picture 16" descr="Graphical user interface, text&#10;&#10;Description automatically generated">
+            <a:extLst>
+              <a:ext uri="{FF2B5EF4-FFF2-40B4-BE49-F238E27FC236}">
+                <a16:creationId xmlns:a16="http://schemas.microsoft.com/office/drawing/2014/main" id="{2A1A5551-04D0-5647-B412-E37961A2A963}"/>
+              </a:ext>
+            </a:extLst>
+          </p:cNvPr>
+          <p:cNvPicPr>
+            <a:picLocks noChangeAspect="1"/>
+          </p:cNvPicPr>
+          <p:nvPr/>
+        </p:nvPicPr>
+        <p:blipFill>
+          <a:blip r:embed="rId5"/>
+          <a:stretch>
+            <a:fillRect/>
+          </a:stretch>
+        </p:blipFill>
+        <p:spPr>
+          <a:xfrm>
+            <a:off x="7124700" y="5217884"/>
+            <a:ext cx="2926134" cy="1038454"/>
+          </a:xfrm>
+          <a:prstGeom prst="rect">
+            <a:avLst/>
+          </a:prstGeom>
+        </p:spPr>
+      </p:pic>
     </p:spTree>
     <p:extLst>
       <p:ext uri="{BB962C8B-B14F-4D97-AF65-F5344CB8AC3E}">
-        <p14:creationId xmlns:p14="http://schemas.microsoft.com/office/powerpoint/2010/main" val="2788533150"/>
+        <p14:creationId xmlns:p14="http://schemas.microsoft.com/office/powerpoint/2010/main" val="127172160"/>
       </p:ext>
     </p:extLst>
   </p:cSld>
@@ -8477,7 +8752,26 @@
           <a:bodyPr/>
           <a:lstStyle/>
           <a:p>
+            <a:r>
+              <a:rPr lang="en-US" dirty="0"/>
+              <a:t>We were able to make models that fairly accurately predicted whether or not a passenger would survive</a:t>
+            </a:r>
+          </a:p>
+          <a:p>
+            <a:r>
+              <a:rPr lang="en-US" dirty="0"/>
+              <a:t>Given all the data minus survival information, we could predict close to 80+% of </a:t>
+            </a:r>
+            <a:r>
+              <a:rPr lang="en-US"/>
+              <a:t>the passengers</a:t>
+            </a:r>
+          </a:p>
+          <a:p>
             <a:endParaRPr lang="en-US"/>
+          </a:p>
+          <a:p>
+            <a:endParaRPr lang="en-US" dirty="0"/>
           </a:p>
         </p:txBody>
       </p:sp>

--- a/Presentation.pptx
+++ b/Presentation.pptx
@@ -7738,6 +7738,12 @@
               <a:t>Represent that information in clear, descriptive models and charts</a:t>
             </a:r>
           </a:p>
+          <a:p>
+            <a:r>
+              <a:rPr lang="en-US" dirty="0"/>
+              <a:t>Use all the information provided to try and predict via a model whether or not each given passenger survived</a:t>
+            </a:r>
+          </a:p>
         </p:txBody>
       </p:sp>
     </p:spTree>
@@ -7796,10 +7802,10 @@
       </p:grpSpPr>
       <p:pic>
         <p:nvPicPr>
-          <p:cNvPr id="9" name="Picture 8">
+          <p:cNvPr id="59" name="Picture 46">
             <a:extLst>
               <a:ext uri="{FF2B5EF4-FFF2-40B4-BE49-F238E27FC236}">
-                <a16:creationId xmlns:a16="http://schemas.microsoft.com/office/drawing/2014/main" id="{DF19BAF3-7E20-4B9D-B544-BABAEEA1FA75}"/>
+                <a16:creationId xmlns:a16="http://schemas.microsoft.com/office/drawing/2014/main" id="{412E3267-7ABE-412B-8580-47EC0D1F61FE}"/>
               </a:ext>
               <a:ext uri="{C183D7F6-B498-43B3-948B-1728B52AA6E4}">
                 <adec:decorative xmlns:adec="http://schemas.microsoft.com/office/drawing/2017/decorative" val="1"/>
@@ -7840,10 +7846,10 @@
       </p:pic>
       <p:pic>
         <p:nvPicPr>
-          <p:cNvPr id="11" name="Picture 10">
+          <p:cNvPr id="60" name="Picture 48">
             <a:extLst>
               <a:ext uri="{FF2B5EF4-FFF2-40B4-BE49-F238E27FC236}">
-                <a16:creationId xmlns:a16="http://schemas.microsoft.com/office/drawing/2014/main" id="{950648F4-ABCD-4DF0-8641-76CFB2354721}"/>
+                <a16:creationId xmlns:a16="http://schemas.microsoft.com/office/drawing/2014/main" id="{20B62C5A-2250-4380-AB23-DB87446CCED0}"/>
               </a:ext>
               <a:ext uri="{C183D7F6-B498-43B3-948B-1728B52AA6E4}">
                 <adec:decorative xmlns:adec="http://schemas.microsoft.com/office/drawing/2017/decorative" val="1"/>
@@ -7884,10 +7890,10 @@
       </p:pic>
       <p:sp>
         <p:nvSpPr>
-          <p:cNvPr id="13" name="Oval 12">
+          <p:cNvPr id="61" name="Oval 50">
             <a:extLst>
               <a:ext uri="{FF2B5EF4-FFF2-40B4-BE49-F238E27FC236}">
-                <a16:creationId xmlns:a16="http://schemas.microsoft.com/office/drawing/2014/main" id="{989BE678-777B-482A-A616-FEDC47B162E5}"/>
+                <a16:creationId xmlns:a16="http://schemas.microsoft.com/office/drawing/2014/main" id="{D42CF425-7213-4F89-B0FF-4C2BDDD9C680}"/>
               </a:ext>
               <a:ext uri="{C183D7F6-B498-43B3-948B-1728B52AA6E4}">
                 <adec:decorative xmlns:adec="http://schemas.microsoft.com/office/drawing/2017/decorative" val="1"/>
@@ -7964,10 +7970,10 @@
       </p:sp>
       <p:pic>
         <p:nvPicPr>
-          <p:cNvPr id="15" name="Picture 14">
+          <p:cNvPr id="62" name="Picture 52">
             <a:extLst>
               <a:ext uri="{FF2B5EF4-FFF2-40B4-BE49-F238E27FC236}">
-                <a16:creationId xmlns:a16="http://schemas.microsoft.com/office/drawing/2014/main" id="{CF1EB4BD-9C7E-4AA3-9681-C7EB0DA6250B}"/>
+                <a16:creationId xmlns:a16="http://schemas.microsoft.com/office/drawing/2014/main" id="{D35DA97D-88F8-4249-B650-4FC9FD50A382}"/>
               </a:ext>
               <a:ext uri="{C183D7F6-B498-43B3-948B-1728B52AA6E4}">
                 <adec:decorative xmlns:adec="http://schemas.microsoft.com/office/drawing/2017/decorative" val="1"/>
@@ -8008,10 +8014,10 @@
       </p:pic>
       <p:pic>
         <p:nvPicPr>
-          <p:cNvPr id="17" name="Picture 16">
+          <p:cNvPr id="63" name="Picture 54">
             <a:extLst>
               <a:ext uri="{FF2B5EF4-FFF2-40B4-BE49-F238E27FC236}">
-                <a16:creationId xmlns:a16="http://schemas.microsoft.com/office/drawing/2014/main" id="{94AAE3AA-3759-4D28-B0EF-575F25A5146C}"/>
+                <a16:creationId xmlns:a16="http://schemas.microsoft.com/office/drawing/2014/main" id="{43F38673-6E30-4BAE-AC67-0B283EBF4291}"/>
               </a:ext>
               <a:ext uri="{C183D7F6-B498-43B3-948B-1728B52AA6E4}">
                 <adec:decorative xmlns:adec="http://schemas.microsoft.com/office/drawing/2017/decorative" val="1"/>
@@ -8052,10 +8058,10 @@
       </p:pic>
       <p:sp>
         <p:nvSpPr>
-          <p:cNvPr id="19" name="Rectangle 18">
+          <p:cNvPr id="64" name="Rectangle 56">
             <a:extLst>
               <a:ext uri="{FF2B5EF4-FFF2-40B4-BE49-F238E27FC236}">
-                <a16:creationId xmlns:a16="http://schemas.microsoft.com/office/drawing/2014/main" id="{D28BE0C3-2102-4820-B88B-A448B1840D14}"/>
+                <a16:creationId xmlns:a16="http://schemas.microsoft.com/office/drawing/2014/main" id="{202A25CB-1ED1-4C87-AB49-8D3BC684D1CE}"/>
               </a:ext>
               <a:ext uri="{C183D7F6-B498-43B3-948B-1728B52AA6E4}">
                 <adec:decorative xmlns:adec="http://schemas.microsoft.com/office/drawing/2017/decorative" val="1"/>
@@ -8121,8 +8127,8 @@
         </p:nvSpPr>
         <p:spPr>
           <a:xfrm>
-            <a:off x="636916" y="4542503"/>
-            <a:ext cx="9184606" cy="1179870"/>
+            <a:off x="635458" y="4542502"/>
+            <a:ext cx="9181185" cy="1189985"/>
           </a:xfrm>
         </p:spPr>
         <p:txBody>
@@ -8132,7 +8138,7 @@
           <a:lstStyle/>
           <a:p>
             <a:r>
-              <a:rPr lang="en-US" sz="6000"/>
+              <a:rPr lang="en-US" sz="6000" dirty="0"/>
               <a:t>Data Manipulation</a:t>
             </a:r>
           </a:p>
@@ -8140,10 +8146,10 @@
       </p:sp>
       <p:pic>
         <p:nvPicPr>
-          <p:cNvPr id="4" name="Picture 3" descr="Table&#10;&#10;Description automatically generated">
+          <p:cNvPr id="8" name="Picture 7" descr="Graphical user interface, text, application, email&#10;&#10;Description automatically generated">
             <a:extLst>
               <a:ext uri="{FF2B5EF4-FFF2-40B4-BE49-F238E27FC236}">
-                <a16:creationId xmlns:a16="http://schemas.microsoft.com/office/drawing/2014/main" id="{6F0BECE8-D1A6-D34A-BC86-7EF6F070FD99}"/>
+                <a16:creationId xmlns:a16="http://schemas.microsoft.com/office/drawing/2014/main" id="{78B2DE82-9B0E-F148-8793-1982328B8332}"/>
               </a:ext>
             </a:extLst>
           </p:cNvPr>
@@ -8152,15 +8158,53 @@
           </p:cNvPicPr>
           <p:nvPr/>
         </p:nvPicPr>
-        <p:blipFill rotWithShape="1">
+        <p:blipFill>
           <a:blip r:embed="rId7"/>
-          <a:srcRect l="11963" r="10271" b="1"/>
-          <a:stretch/>
+          <a:stretch>
+            <a:fillRect/>
+          </a:stretch>
         </p:blipFill>
         <p:spPr>
           <a:xfrm>
-            <a:off x="635458" y="640080"/>
-            <a:ext cx="9186063" cy="3602736"/>
+            <a:off x="635457" y="953016"/>
+            <a:ext cx="5745860" cy="3864090"/>
+          </a:xfrm>
+          <a:prstGeom prst="rect">
+            <a:avLst/>
+          </a:prstGeom>
+          <a:effectLst>
+            <a:outerShdw blurRad="50800" dist="38100" dir="5400000" algn="t" rotWithShape="0">
+              <a:prstClr val="black">
+                <a:alpha val="43000"/>
+              </a:prstClr>
+            </a:outerShdw>
+          </a:effectLst>
+        </p:spPr>
+      </p:pic>
+      <p:pic>
+        <p:nvPicPr>
+          <p:cNvPr id="6" name="Picture 5" descr="A picture containing text, indoor&#10;&#10;Description automatically generated">
+            <a:extLst>
+              <a:ext uri="{FF2B5EF4-FFF2-40B4-BE49-F238E27FC236}">
+                <a16:creationId xmlns:a16="http://schemas.microsoft.com/office/drawing/2014/main" id="{A83119B8-2ACB-9A46-9776-3EF89C7C22A5}"/>
+              </a:ext>
+            </a:extLst>
+          </p:cNvPr>
+          <p:cNvPicPr>
+            <a:picLocks noChangeAspect="1"/>
+          </p:cNvPicPr>
+          <p:nvPr/>
+        </p:nvPicPr>
+        <p:blipFill>
+          <a:blip r:embed="rId8"/>
+          <a:stretch>
+            <a:fillRect/>
+          </a:stretch>
+        </p:blipFill>
+        <p:spPr>
+          <a:xfrm>
+            <a:off x="6381317" y="1674807"/>
+            <a:ext cx="5745860" cy="2600002"/>
           </a:xfrm>
           <a:prstGeom prst="rect">
             <a:avLst/>
@@ -8253,7 +8297,10 @@
           <a:bodyPr/>
           <a:lstStyle/>
           <a:p>
-            <a:endParaRPr lang="en-US"/>
+            <a:r>
+              <a:rPr lang="en-US" dirty="0"/>
+              <a:t>Random Forest</a:t>
+            </a:r>
           </a:p>
         </p:txBody>
       </p:sp>
@@ -8303,7 +8350,10 @@
           <a:bodyPr/>
           <a:lstStyle/>
           <a:p>
-            <a:endParaRPr lang="en-US"/>
+            <a:r>
+              <a:rPr lang="en-US" dirty="0"/>
+              <a:t>Neural Network</a:t>
+            </a:r>
           </a:p>
         </p:txBody>
       </p:sp>
@@ -8353,7 +8403,11 @@
           <a:bodyPr/>
           <a:lstStyle/>
           <a:p>
-            <a:endParaRPr lang="en-US"/>
+            <a:r>
+              <a:rPr lang="en-US" dirty="0" err="1"/>
+              <a:t>Keras</a:t>
+            </a:r>
+            <a:endParaRPr lang="en-US" dirty="0"/>
           </a:p>
         </p:txBody>
       </p:sp>
@@ -8404,8 +8458,8 @@
         </p:blipFill>
         <p:spPr>
           <a:xfrm>
-            <a:off x="646111" y="3024981"/>
-            <a:ext cx="2922195" cy="1710440"/>
+            <a:off x="549433" y="2664840"/>
+            <a:ext cx="3171273" cy="1856232"/>
           </a:xfrm>
           <a:prstGeom prst="rect">
             <a:avLst/>
@@ -8434,8 +8488,8 @@
         </p:blipFill>
         <p:spPr>
           <a:xfrm>
-            <a:off x="3892156" y="3024345"/>
-            <a:ext cx="3002338" cy="1741451"/>
+            <a:off x="3757691" y="2664840"/>
+            <a:ext cx="3203574" cy="1858174"/>
           </a:xfrm>
           <a:prstGeom prst="rect">
             <a:avLst/>
@@ -8464,8 +8518,8 @@
         </p:blipFill>
         <p:spPr>
           <a:xfrm>
-            <a:off x="7124700" y="2787969"/>
-            <a:ext cx="2926134" cy="2605720"/>
+            <a:off x="7009534" y="2685414"/>
+            <a:ext cx="3041300" cy="2708275"/>
           </a:xfrm>
           <a:prstGeom prst="rect">
             <a:avLst/>
@@ -8524,8 +8578,8 @@
         </p:blipFill>
         <p:spPr>
           <a:xfrm>
-            <a:off x="7124700" y="5217884"/>
-            <a:ext cx="2926134" cy="1038454"/>
+            <a:off x="7009534" y="5195427"/>
+            <a:ext cx="3041300" cy="1079325"/>
           </a:xfrm>
           <a:prstGeom prst="rect">
             <a:avLst/>
@@ -8760,15 +8814,11 @@
           <a:p>
             <a:r>
               <a:rPr lang="en-US" dirty="0"/>
-              <a:t>Given all the data minus survival information, we could predict close to 80+% of </a:t>
-            </a:r>
-            <a:r>
-              <a:rPr lang="en-US"/>
-              <a:t>the passengers</a:t>
-            </a:r>
-          </a:p>
-          <a:p>
-            <a:endParaRPr lang="en-US"/>
+              <a:t>Given all the data minus survival information, we could predict close to 80+% of the passengers</a:t>
+            </a:r>
+          </a:p>
+          <a:p>
+            <a:endParaRPr lang="en-US" dirty="0"/>
           </a:p>
           <a:p>
             <a:endParaRPr lang="en-US" dirty="0"/>

--- a/Presentation.pptx
+++ b/Presentation.pptx
@@ -8404,10 +8404,9 @@
           <a:lstStyle/>
           <a:p>
             <a:r>
-              <a:rPr lang="en-US" dirty="0" err="1"/>
-              <a:t>Keras</a:t>
-            </a:r>
-            <a:endParaRPr lang="en-US" dirty="0"/>
+              <a:rPr lang="en-US" dirty="0"/>
+              <a:t>Decision Tree</a:t>
+            </a:r>
           </a:p>
         </p:txBody>
       </p:sp>
@@ -8432,7 +8431,7 @@
           <a:bodyPr/>
           <a:lstStyle/>
           <a:p>
-            <a:endParaRPr lang="en-US"/>
+            <a:endParaRPr lang="en-US" dirty="0"/>
           </a:p>
         </p:txBody>
       </p:sp>
@@ -8468,10 +8467,10 @@
       </p:pic>
       <p:pic>
         <p:nvPicPr>
-          <p:cNvPr id="12" name="Picture 11" descr="Graphical user interface, text, application&#10;&#10;Description automatically generated">
+          <p:cNvPr id="19" name="Picture 18" descr="Text&#10;&#10;Description automatically generated with medium confidence">
             <a:extLst>
               <a:ext uri="{FF2B5EF4-FFF2-40B4-BE49-F238E27FC236}">
-                <a16:creationId xmlns:a16="http://schemas.microsoft.com/office/drawing/2014/main" id="{96BE63D1-FEAB-E644-A12E-1D725FFBFC5E}"/>
+                <a16:creationId xmlns:a16="http://schemas.microsoft.com/office/drawing/2014/main" id="{B594AA2F-478E-B643-9543-A1453E04EE9F}"/>
               </a:ext>
             </a:extLst>
           </p:cNvPr>
@@ -8488,8 +8487,8 @@
         </p:blipFill>
         <p:spPr>
           <a:xfrm>
-            <a:off x="3757691" y="2664840"/>
-            <a:ext cx="3203574" cy="1858174"/>
+            <a:off x="4236176" y="2514113"/>
+            <a:ext cx="2220654" cy="2301597"/>
           </a:xfrm>
           <a:prstGeom prst="rect">
             <a:avLst/>
@@ -8498,10 +8497,10 @@
       </p:pic>
       <p:pic>
         <p:nvPicPr>
-          <p:cNvPr id="14" name="Picture 13" descr="Graphical user interface, text&#10;&#10;Description automatically generated">
+          <p:cNvPr id="21" name="Picture 20" descr="Graphical user interface, text, application&#10;&#10;Description automatically generated">
             <a:extLst>
               <a:ext uri="{FF2B5EF4-FFF2-40B4-BE49-F238E27FC236}">
-                <a16:creationId xmlns:a16="http://schemas.microsoft.com/office/drawing/2014/main" id="{722ACE61-6863-604D-8D96-F2C8D28BCB8C}"/>
+                <a16:creationId xmlns:a16="http://schemas.microsoft.com/office/drawing/2014/main" id="{C036DBC5-2781-7649-A2CB-8490D42DCBFB}"/>
               </a:ext>
             </a:extLst>
           </p:cNvPr>
@@ -8518,8 +8517,8 @@
         </p:blipFill>
         <p:spPr>
           <a:xfrm>
-            <a:off x="7009534" y="2685414"/>
-            <a:ext cx="3041300" cy="2708275"/>
+            <a:off x="4236176" y="4675908"/>
+            <a:ext cx="2220654" cy="1478102"/>
           </a:xfrm>
           <a:prstGeom prst="rect">
             <a:avLst/>
@@ -8528,10 +8527,10 @@
       </p:pic>
       <p:pic>
         <p:nvPicPr>
-          <p:cNvPr id="16" name="Picture 15" descr="Graphical user interface, text&#10;&#10;Description automatically generated">
+          <p:cNvPr id="23" name="Picture 22" descr="Graphical user interface, text, application&#10;&#10;Description automatically generated">
             <a:extLst>
               <a:ext uri="{FF2B5EF4-FFF2-40B4-BE49-F238E27FC236}">
-                <a16:creationId xmlns:a16="http://schemas.microsoft.com/office/drawing/2014/main" id="{36DC6256-C8A5-F345-A984-6C43D34A2953}"/>
+                <a16:creationId xmlns:a16="http://schemas.microsoft.com/office/drawing/2014/main" id="{05A3B487-E014-0342-A2AE-E57796593904}"/>
               </a:ext>
             </a:extLst>
           </p:cNvPr>
@@ -8548,8 +8547,8 @@
         </p:blipFill>
         <p:spPr>
           <a:xfrm>
-            <a:off x="7113193" y="5217884"/>
-            <a:ext cx="2926134" cy="1038454"/>
+            <a:off x="7901023" y="2603297"/>
+            <a:ext cx="1379465" cy="1394793"/>
           </a:xfrm>
           <a:prstGeom prst="rect">
             <a:avLst/>
@@ -8558,10 +8557,10 @@
       </p:pic>
       <p:pic>
         <p:nvPicPr>
-          <p:cNvPr id="17" name="Picture 16" descr="Graphical user interface, text&#10;&#10;Description automatically generated">
+          <p:cNvPr id="25" name="Picture 24" descr="Text&#10;&#10;Description automatically generated">
             <a:extLst>
               <a:ext uri="{FF2B5EF4-FFF2-40B4-BE49-F238E27FC236}">
-                <a16:creationId xmlns:a16="http://schemas.microsoft.com/office/drawing/2014/main" id="{2A1A5551-04D0-5647-B412-E37961A2A963}"/>
+                <a16:creationId xmlns:a16="http://schemas.microsoft.com/office/drawing/2014/main" id="{51BE1D29-5211-3F46-919E-EDD305DA95F3}"/>
               </a:ext>
             </a:extLst>
           </p:cNvPr>
@@ -8571,15 +8570,45 @@
           <p:nvPr/>
         </p:nvPicPr>
         <p:blipFill>
-          <a:blip r:embed="rId5"/>
+          <a:blip r:embed="rId6"/>
           <a:stretch>
             <a:fillRect/>
           </a:stretch>
         </p:blipFill>
         <p:spPr>
           <a:xfrm>
-            <a:off x="7009534" y="5195427"/>
-            <a:ext cx="3041300" cy="1079325"/>
+            <a:off x="7901023" y="3805117"/>
+            <a:ext cx="1379465" cy="1256259"/>
+          </a:xfrm>
+          <a:prstGeom prst="rect">
+            <a:avLst/>
+          </a:prstGeom>
+        </p:spPr>
+      </p:pic>
+      <p:pic>
+        <p:nvPicPr>
+          <p:cNvPr id="27" name="Picture 26" descr="Diagram&#10;&#10;Description automatically generated">
+            <a:extLst>
+              <a:ext uri="{FF2B5EF4-FFF2-40B4-BE49-F238E27FC236}">
+                <a16:creationId xmlns:a16="http://schemas.microsoft.com/office/drawing/2014/main" id="{7148548D-2BE2-CB43-81AC-191421D864C3}"/>
+              </a:ext>
+            </a:extLst>
+          </p:cNvPr>
+          <p:cNvPicPr>
+            <a:picLocks noChangeAspect="1"/>
+          </p:cNvPicPr>
+          <p:nvPr/>
+        </p:nvPicPr>
+        <p:blipFill>
+          <a:blip r:embed="rId7"/>
+          <a:stretch>
+            <a:fillRect/>
+          </a:stretch>
+        </p:blipFill>
+        <p:spPr>
+          <a:xfrm>
+            <a:off x="7901023" y="4753870"/>
+            <a:ext cx="1379465" cy="829869"/>
           </a:xfrm>
           <a:prstGeom prst="rect">
             <a:avLst/>
@@ -8660,15 +8689,58 @@
             <p:ph idx="1"/>
           </p:nvPr>
         </p:nvSpPr>
-        <p:spPr/>
+        <p:spPr>
+          <a:xfrm>
+            <a:off x="1103312" y="5705017"/>
+            <a:ext cx="8946541" cy="543382"/>
+          </a:xfrm>
+        </p:spPr>
         <p:txBody>
           <a:bodyPr/>
           <a:lstStyle/>
           <a:p>
+            <a:r>
+              <a:rPr lang="en-US" b="0" i="0" u="sng" dirty="0">
+                <a:effectLst/>
+                <a:latin typeface="-apple-system"/>
+                <a:hlinkClick r:id="rId2"/>
+              </a:rPr>
+              <a:t>Tableau Analysis Link</a:t>
+            </a:r>
             <a:endParaRPr lang="en-US" dirty="0"/>
           </a:p>
         </p:txBody>
       </p:sp>
+      <p:pic>
+        <p:nvPicPr>
+          <p:cNvPr id="4" name="Picture 3">
+            <a:extLst>
+              <a:ext uri="{FF2B5EF4-FFF2-40B4-BE49-F238E27FC236}">
+                <a16:creationId xmlns:a16="http://schemas.microsoft.com/office/drawing/2014/main" id="{C4EBD907-DDD6-4D44-BC2D-18F894FF499C}"/>
+              </a:ext>
+            </a:extLst>
+          </p:cNvPr>
+          <p:cNvPicPr>
+            <a:picLocks noChangeAspect="1"/>
+          </p:cNvPicPr>
+          <p:nvPr/>
+        </p:nvPicPr>
+        <p:blipFill>
+          <a:blip r:embed="rId3"/>
+          <a:stretch>
+            <a:fillRect/>
+          </a:stretch>
+        </p:blipFill>
+        <p:spPr>
+          <a:xfrm>
+            <a:off x="4073218" y="452718"/>
+            <a:ext cx="5976635" cy="5219700"/>
+          </a:xfrm>
+          <a:prstGeom prst="rect">
+            <a:avLst/>
+          </a:prstGeom>
+        </p:spPr>
+      </p:pic>
     </p:spTree>
     <p:extLst>
       <p:ext uri="{BB962C8B-B14F-4D97-AF65-F5344CB8AC3E}">

--- a/Presentation.pptx
+++ b/Presentation.pptx
@@ -11,9 +11,15 @@
     <p:sldId id="259" r:id="rId5"/>
     <p:sldId id="260" r:id="rId6"/>
     <p:sldId id="265" r:id="rId7"/>
-    <p:sldId id="264" r:id="rId8"/>
-    <p:sldId id="261" r:id="rId9"/>
-    <p:sldId id="262" r:id="rId10"/>
+    <p:sldId id="267" r:id="rId8"/>
+    <p:sldId id="268" r:id="rId9"/>
+    <p:sldId id="269" r:id="rId10"/>
+    <p:sldId id="270" r:id="rId11"/>
+    <p:sldId id="273" r:id="rId12"/>
+    <p:sldId id="272" r:id="rId13"/>
+    <p:sldId id="271" r:id="rId14"/>
+    <p:sldId id="264" r:id="rId15"/>
+    <p:sldId id="262" r:id="rId16"/>
   </p:sldIdLst>
   <p:sldSz cx="12192000" cy="6858000"/>
   <p:notesSz cx="6858000" cy="9144000"/>
@@ -306,7 +312,7 @@
           <a:p>
             <a:fld id="{4AAD347D-5ACD-4C99-B74B-A9C85AD731AF}" type="datetimeFigureOut">
               <a:rPr lang="en-US" dirty="0"/>
-              <a:t>2/16/23</a:t>
+              <a:t>2/20/23</a:t>
             </a:fld>
             <a:endParaRPr lang="en-US" dirty="0"/>
           </a:p>
@@ -576,7 +582,7 @@
           <a:p>
             <a:fld id="{4509A250-FF31-4206-8172-F9D3106AACB1}" type="datetimeFigureOut">
               <a:rPr lang="en-US" dirty="0"/>
-              <a:t>2/16/23</a:t>
+              <a:t>2/20/23</a:t>
             </a:fld>
             <a:endParaRPr lang="en-US" dirty="0"/>
           </a:p>
@@ -765,7 +771,7 @@
           <a:p>
             <a:fld id="{4509A250-FF31-4206-8172-F9D3106AACB1}" type="datetimeFigureOut">
               <a:rPr lang="en-US" dirty="0"/>
-              <a:t>2/16/23</a:t>
+              <a:t>2/20/23</a:t>
             </a:fld>
             <a:endParaRPr lang="en-US" dirty="0"/>
           </a:p>
@@ -1033,7 +1039,7 @@
           <a:p>
             <a:fld id="{4509A250-FF31-4206-8172-F9D3106AACB1}" type="datetimeFigureOut">
               <a:rPr lang="en-US" dirty="0"/>
-              <a:t>2/16/23</a:t>
+              <a:t>2/20/23</a:t>
             </a:fld>
             <a:endParaRPr lang="en-US" dirty="0"/>
           </a:p>
@@ -1369,7 +1375,7 @@
           <a:p>
             <a:fld id="{4509A250-FF31-4206-8172-F9D3106AACB1}" type="datetimeFigureOut">
               <a:rPr lang="en-US" dirty="0"/>
-              <a:t>2/16/23</a:t>
+              <a:t>2/20/23</a:t>
             </a:fld>
             <a:endParaRPr lang="en-US" dirty="0"/>
           </a:p>
@@ -1987,7 +1993,7 @@
           <a:p>
             <a:fld id="{4509A250-FF31-4206-8172-F9D3106AACB1}" type="datetimeFigureOut">
               <a:rPr lang="en-US" dirty="0"/>
-              <a:t>2/16/23</a:t>
+              <a:t>2/20/23</a:t>
             </a:fld>
             <a:endParaRPr lang="en-US" dirty="0"/>
           </a:p>
@@ -2842,7 +2848,7 @@
           <a:p>
             <a:fld id="{4509A250-FF31-4206-8172-F9D3106AACB1}" type="datetimeFigureOut">
               <a:rPr lang="en-US" dirty="0"/>
-              <a:t>2/16/23</a:t>
+              <a:t>2/20/23</a:t>
             </a:fld>
             <a:endParaRPr lang="en-US" dirty="0"/>
           </a:p>
@@ -3007,7 +3013,7 @@
           <a:p>
             <a:fld id="{4509A250-FF31-4206-8172-F9D3106AACB1}" type="datetimeFigureOut">
               <a:rPr lang="en-US" dirty="0"/>
-              <a:t>2/16/23</a:t>
+              <a:t>2/20/23</a:t>
             </a:fld>
             <a:endParaRPr lang="en-US" dirty="0"/>
           </a:p>
@@ -3182,7 +3188,7 @@
           <a:p>
             <a:fld id="{4509A250-FF31-4206-8172-F9D3106AACB1}" type="datetimeFigureOut">
               <a:rPr lang="en-US" dirty="0"/>
-              <a:t>2/16/23</a:t>
+              <a:t>2/20/23</a:t>
             </a:fld>
             <a:endParaRPr lang="en-US" dirty="0"/>
           </a:p>
@@ -3347,7 +3353,7 @@
           <a:p>
             <a:fld id="{4509A250-FF31-4206-8172-F9D3106AACB1}" type="datetimeFigureOut">
               <a:rPr lang="en-US" dirty="0"/>
-              <a:t>2/16/23</a:t>
+              <a:t>2/20/23</a:t>
             </a:fld>
             <a:endParaRPr lang="en-US" dirty="0"/>
           </a:p>
@@ -3589,7 +3595,7 @@
           <a:p>
             <a:fld id="{9796027F-7875-4030-9381-8BD8C4F21935}" type="datetimeFigureOut">
               <a:rPr lang="en-US" dirty="0"/>
-              <a:t>2/16/23</a:t>
+              <a:t>2/20/23</a:t>
             </a:fld>
             <a:endParaRPr lang="en-US" dirty="0"/>
           </a:p>
@@ -3876,7 +3882,7 @@
           <a:p>
             <a:fld id="{9796027F-7875-4030-9381-8BD8C4F21935}" type="datetimeFigureOut">
               <a:rPr lang="en-US" dirty="0"/>
-              <a:t>2/16/23</a:t>
+              <a:t>2/20/23</a:t>
             </a:fld>
             <a:endParaRPr lang="en-US" dirty="0"/>
           </a:p>
@@ -4315,7 +4321,7 @@
           <a:p>
             <a:fld id="{9796027F-7875-4030-9381-8BD8C4F21935}" type="datetimeFigureOut">
               <a:rPr lang="en-US" dirty="0"/>
-              <a:t>2/16/23</a:t>
+              <a:t>2/20/23</a:t>
             </a:fld>
             <a:endParaRPr lang="en-US" dirty="0"/>
           </a:p>
@@ -4428,7 +4434,7 @@
           <a:p>
             <a:fld id="{4509A250-FF31-4206-8172-F9D3106AACB1}" type="datetimeFigureOut">
               <a:rPr lang="en-US" dirty="0"/>
-              <a:t>2/16/23</a:t>
+              <a:t>2/20/23</a:t>
             </a:fld>
             <a:endParaRPr lang="en-US" dirty="0"/>
           </a:p>
@@ -4518,7 +4524,7 @@
           <a:p>
             <a:fld id="{4509A250-FF31-4206-8172-F9D3106AACB1}" type="datetimeFigureOut">
               <a:rPr lang="en-US" dirty="0"/>
-              <a:t>2/16/23</a:t>
+              <a:t>2/20/23</a:t>
             </a:fld>
             <a:endParaRPr lang="en-US" dirty="0"/>
           </a:p>
@@ -4792,7 +4798,7 @@
           <a:p>
             <a:fld id="{4509A250-FF31-4206-8172-F9D3106AACB1}" type="datetimeFigureOut">
               <a:rPr lang="en-US" dirty="0"/>
-              <a:t>2/16/23</a:t>
+              <a:t>2/20/23</a:t>
             </a:fld>
             <a:endParaRPr lang="en-US" dirty="0"/>
           </a:p>
@@ -5062,7 +5068,7 @@
           <a:p>
             <a:fld id="{4509A250-FF31-4206-8172-F9D3106AACB1}" type="datetimeFigureOut">
               <a:rPr lang="en-US" dirty="0"/>
-              <a:t>2/16/23</a:t>
+              <a:t>2/20/23</a:t>
             </a:fld>
             <a:endParaRPr lang="en-US" dirty="0"/>
           </a:p>
@@ -5486,7 +5492,7 @@
           <a:p>
             <a:fld id="{4AAD347D-5ACD-4C99-B74B-A9C85AD731AF}" type="datetimeFigureOut">
               <a:rPr lang="en-US" dirty="0"/>
-              <a:t>2/16/23</a:t>
+              <a:t>2/20/23</a:t>
             </a:fld>
             <a:endParaRPr lang="en-US" dirty="0"/>
           </a:p>
@@ -6061,8 +6067,21 @@
           <a:p>
             <a:r>
               <a:rPr lang="en-US" dirty="0"/>
-              <a:t>X, Y, and Z</a:t>
-            </a:r>
+              <a:t>Kory Kinnear, Guy </a:t>
+            </a:r>
+            <a:r>
+              <a:rPr lang="en-US" dirty="0" err="1"/>
+              <a:t>Nkiassi</a:t>
+            </a:r>
+            <a:r>
+              <a:rPr lang="en-US" dirty="0"/>
+              <a:t>, Carson </a:t>
+            </a:r>
+            <a:r>
+              <a:rPr lang="en-US" dirty="0" err="1"/>
+              <a:t>PRim</a:t>
+            </a:r>
+            <a:endParaRPr lang="en-US" dirty="0"/>
           </a:p>
         </p:txBody>
       </p:sp>
@@ -6070,6 +6089,1397 @@
     <p:extLst>
       <p:ext uri="{BB962C8B-B14F-4D97-AF65-F5344CB8AC3E}">
         <p14:creationId xmlns:p14="http://schemas.microsoft.com/office/powerpoint/2010/main" val="4125172361"/>
+      </p:ext>
+    </p:extLst>
+  </p:cSld>
+  <p:clrMapOvr>
+    <a:masterClrMapping/>
+  </p:clrMapOvr>
+</p:sld>
+</file>
+
+<file path=ppt/slides/slide10.xml><?xml version="1.0" encoding="utf-8"?>
+<p:sld xmlns:a="http://schemas.openxmlformats.org/drawingml/2006/main" xmlns:r="http://schemas.openxmlformats.org/officeDocument/2006/relationships" xmlns:p="http://schemas.openxmlformats.org/presentationml/2006/main">
+  <p:cSld>
+    <p:bg>
+      <p:bgPr>
+        <a:gradFill rotWithShape="1">
+          <a:gsLst>
+            <a:gs pos="0">
+              <a:schemeClr val="bg1">
+                <a:tint val="97000"/>
+                <a:hueMod val="88000"/>
+                <a:satMod val="130000"/>
+                <a:lumMod val="124000"/>
+              </a:schemeClr>
+            </a:gs>
+            <a:gs pos="100000">
+              <a:schemeClr val="bg1">
+                <a:tint val="96000"/>
+                <a:shade val="88000"/>
+                <a:hueMod val="108000"/>
+                <a:satMod val="164000"/>
+                <a:lumMod val="76000"/>
+              </a:schemeClr>
+            </a:gs>
+          </a:gsLst>
+          <a:path path="circle">
+            <a:fillToRect l="45000" t="65000" r="125000" b="100000"/>
+          </a:path>
+        </a:gradFill>
+        <a:effectLst/>
+      </p:bgPr>
+    </p:bg>
+    <p:spTree>
+      <p:nvGrpSpPr>
+        <p:cNvPr id="1" name=""/>
+        <p:cNvGrpSpPr/>
+        <p:nvPr/>
+      </p:nvGrpSpPr>
+      <p:grpSpPr>
+        <a:xfrm>
+          <a:off x="0" y="0"/>
+          <a:ext cx="0" cy="0"/>
+          <a:chOff x="0" y="0"/>
+          <a:chExt cx="0" cy="0"/>
+        </a:xfrm>
+      </p:grpSpPr>
+      <p:sp useBgFill="1">
+        <p:nvSpPr>
+          <p:cNvPr id="8" name="Rectangle 7">
+            <a:extLst>
+              <a:ext uri="{FF2B5EF4-FFF2-40B4-BE49-F238E27FC236}">
+                <a16:creationId xmlns:a16="http://schemas.microsoft.com/office/drawing/2014/main" id="{B0487C8F-7D6C-4EAF-A9A5-45D8E94FC2C9}"/>
+              </a:ext>
+              <a:ext uri="{C183D7F6-B498-43B3-948B-1728B52AA6E4}">
+                <adec:decorative xmlns:adec="http://schemas.microsoft.com/office/drawing/2017/decorative" val="1"/>
+              </a:ext>
+            </a:extLst>
+          </p:cNvPr>
+          <p:cNvSpPr>
+            <a:spLocks noGrp="1" noRot="1" noChangeAspect="1" noMove="1" noResize="1" noEditPoints="1" noAdjustHandles="1" noChangeArrowheads="1" noChangeShapeType="1" noTextEdit="1"/>
+          </p:cNvSpPr>
+          <p:nvPr>
+            <p:extLst>
+              <p:ext uri="{386F3935-93C4-4BCD-93E2-E3B085C9AB24}">
+                <p16:designElem xmlns:p16="http://schemas.microsoft.com/office/powerpoint/2015/main" val="1"/>
+              </p:ext>
+            </p:extLst>
+          </p:nvPr>
+        </p:nvSpPr>
+        <p:spPr>
+          <a:xfrm>
+            <a:off x="0" y="0"/>
+            <a:ext cx="12192000" cy="6858000"/>
+          </a:xfrm>
+          <a:prstGeom prst="rect">
+            <a:avLst/>
+          </a:prstGeom>
+          <a:solidFill>
+            <a:srgbClr val="655650"/>
+          </a:solidFill>
+          <a:ln>
+            <a:noFill/>
+          </a:ln>
+        </p:spPr>
+        <p:style>
+          <a:lnRef idx="2">
+            <a:schemeClr val="accent1">
+              <a:shade val="50000"/>
+            </a:schemeClr>
+          </a:lnRef>
+          <a:fillRef idx="1">
+            <a:schemeClr val="accent1"/>
+          </a:fillRef>
+          <a:effectRef idx="0">
+            <a:schemeClr val="accent1"/>
+          </a:effectRef>
+          <a:fontRef idx="minor">
+            <a:schemeClr val="lt1"/>
+          </a:fontRef>
+        </p:style>
+        <p:txBody>
+          <a:bodyPr rtlCol="0" anchor="ctr"/>
+          <a:lstStyle/>
+          <a:p>
+            <a:pPr algn="ctr"/>
+            <a:endParaRPr lang="en-US"/>
+          </a:p>
+        </p:txBody>
+      </p:sp>
+      <p:sp>
+        <p:nvSpPr>
+          <p:cNvPr id="10" name="Rectangle 9">
+            <a:extLst>
+              <a:ext uri="{FF2B5EF4-FFF2-40B4-BE49-F238E27FC236}">
+                <a16:creationId xmlns:a16="http://schemas.microsoft.com/office/drawing/2014/main" id="{1578DA0F-394A-417D-892B-8253831A2587}"/>
+              </a:ext>
+              <a:ext uri="{C183D7F6-B498-43B3-948B-1728B52AA6E4}">
+                <adec:decorative xmlns:adec="http://schemas.microsoft.com/office/drawing/2017/decorative" val="1"/>
+              </a:ext>
+            </a:extLst>
+          </p:cNvPr>
+          <p:cNvSpPr>
+            <a:spLocks noGrp="1" noRot="1" noChangeAspect="1" noMove="1" noResize="1" noEditPoints="1" noAdjustHandles="1" noChangeArrowheads="1" noChangeShapeType="1" noTextEdit="1"/>
+          </p:cNvSpPr>
+          <p:nvPr>
+            <p:extLst>
+              <p:ext uri="{386F3935-93C4-4BCD-93E2-E3B085C9AB24}">
+                <p16:designElem xmlns:p16="http://schemas.microsoft.com/office/powerpoint/2015/main" val="1"/>
+              </p:ext>
+            </p:extLst>
+          </p:nvPr>
+        </p:nvSpPr>
+        <p:spPr>
+          <a:xfrm>
+            <a:off x="477012" y="480060"/>
+            <a:ext cx="11237976" cy="5897880"/>
+          </a:xfrm>
+          <a:prstGeom prst="rect">
+            <a:avLst/>
+          </a:prstGeom>
+          <a:solidFill>
+            <a:srgbClr val="FFFFFF"/>
+          </a:solidFill>
+          <a:ln>
+            <a:noFill/>
+          </a:ln>
+        </p:spPr>
+        <p:style>
+          <a:lnRef idx="2">
+            <a:schemeClr val="accent1">
+              <a:shade val="50000"/>
+            </a:schemeClr>
+          </a:lnRef>
+          <a:fillRef idx="1">
+            <a:schemeClr val="accent1"/>
+          </a:fillRef>
+          <a:effectRef idx="0">
+            <a:schemeClr val="accent1"/>
+          </a:effectRef>
+          <a:fontRef idx="minor">
+            <a:schemeClr val="lt1"/>
+          </a:fontRef>
+        </p:style>
+        <p:txBody>
+          <a:bodyPr rtlCol="0" anchor="ctr"/>
+          <a:lstStyle/>
+          <a:p>
+            <a:pPr algn="ctr"/>
+            <a:endParaRPr lang="en-US" dirty="0"/>
+          </a:p>
+        </p:txBody>
+      </p:sp>
+      <p:pic>
+        <p:nvPicPr>
+          <p:cNvPr id="3" name="Picture 2" descr="Scatter chart&#10;&#10;Description automatically generated">
+            <a:extLst>
+              <a:ext uri="{FF2B5EF4-FFF2-40B4-BE49-F238E27FC236}">
+                <a16:creationId xmlns:a16="http://schemas.microsoft.com/office/drawing/2014/main" id="{3408EEE4-04A5-0F47-A715-4A66CA7C99BF}"/>
+              </a:ext>
+            </a:extLst>
+          </p:cNvPr>
+          <p:cNvPicPr>
+            <a:picLocks noChangeAspect="1"/>
+          </p:cNvPicPr>
+          <p:nvPr/>
+        </p:nvPicPr>
+        <p:blipFill>
+          <a:blip r:embed="rId2"/>
+          <a:stretch>
+            <a:fillRect/>
+          </a:stretch>
+        </p:blipFill>
+        <p:spPr>
+          <a:xfrm>
+            <a:off x="2657071" y="643467"/>
+            <a:ext cx="6877858" cy="5571066"/>
+          </a:xfrm>
+          <a:prstGeom prst="rect">
+            <a:avLst/>
+          </a:prstGeom>
+        </p:spPr>
+      </p:pic>
+    </p:spTree>
+    <p:extLst>
+      <p:ext uri="{BB962C8B-B14F-4D97-AF65-F5344CB8AC3E}">
+        <p14:creationId xmlns:p14="http://schemas.microsoft.com/office/powerpoint/2010/main" val="1633132748"/>
+      </p:ext>
+    </p:extLst>
+  </p:cSld>
+  <p:clrMapOvr>
+    <a:masterClrMapping/>
+  </p:clrMapOvr>
+</p:sld>
+</file>
+
+<file path=ppt/slides/slide11.xml><?xml version="1.0" encoding="utf-8"?>
+<p:sld xmlns:a="http://schemas.openxmlformats.org/drawingml/2006/main" xmlns:r="http://schemas.openxmlformats.org/officeDocument/2006/relationships" xmlns:p="http://schemas.openxmlformats.org/presentationml/2006/main">
+  <p:cSld>
+    <p:bg>
+      <p:bgPr>
+        <a:gradFill rotWithShape="1">
+          <a:gsLst>
+            <a:gs pos="0">
+              <a:schemeClr val="bg1">
+                <a:tint val="97000"/>
+                <a:hueMod val="88000"/>
+                <a:satMod val="130000"/>
+                <a:lumMod val="124000"/>
+              </a:schemeClr>
+            </a:gs>
+            <a:gs pos="100000">
+              <a:schemeClr val="bg1">
+                <a:tint val="96000"/>
+                <a:shade val="88000"/>
+                <a:hueMod val="108000"/>
+                <a:satMod val="164000"/>
+                <a:lumMod val="76000"/>
+              </a:schemeClr>
+            </a:gs>
+          </a:gsLst>
+          <a:path path="circle">
+            <a:fillToRect l="45000" t="65000" r="125000" b="100000"/>
+          </a:path>
+        </a:gradFill>
+        <a:effectLst/>
+      </p:bgPr>
+    </p:bg>
+    <p:spTree>
+      <p:nvGrpSpPr>
+        <p:cNvPr id="1" name=""/>
+        <p:cNvGrpSpPr/>
+        <p:nvPr/>
+      </p:nvGrpSpPr>
+      <p:grpSpPr>
+        <a:xfrm>
+          <a:off x="0" y="0"/>
+          <a:ext cx="0" cy="0"/>
+          <a:chOff x="0" y="0"/>
+          <a:chExt cx="0" cy="0"/>
+        </a:xfrm>
+      </p:grpSpPr>
+      <p:sp useBgFill="1">
+        <p:nvSpPr>
+          <p:cNvPr id="8" name="Rectangle 7">
+            <a:extLst>
+              <a:ext uri="{FF2B5EF4-FFF2-40B4-BE49-F238E27FC236}">
+                <a16:creationId xmlns:a16="http://schemas.microsoft.com/office/drawing/2014/main" id="{B0487C8F-7D6C-4EAF-A9A5-45D8E94FC2C9}"/>
+              </a:ext>
+              <a:ext uri="{C183D7F6-B498-43B3-948B-1728B52AA6E4}">
+                <adec:decorative xmlns:adec="http://schemas.microsoft.com/office/drawing/2017/decorative" val="1"/>
+              </a:ext>
+            </a:extLst>
+          </p:cNvPr>
+          <p:cNvSpPr>
+            <a:spLocks noGrp="1" noRot="1" noChangeAspect="1" noMove="1" noResize="1" noEditPoints="1" noAdjustHandles="1" noChangeArrowheads="1" noChangeShapeType="1" noTextEdit="1"/>
+          </p:cNvSpPr>
+          <p:nvPr>
+            <p:extLst>
+              <p:ext uri="{386F3935-93C4-4BCD-93E2-E3B085C9AB24}">
+                <p16:designElem xmlns:p16="http://schemas.microsoft.com/office/powerpoint/2015/main" val="1"/>
+              </p:ext>
+            </p:extLst>
+          </p:nvPr>
+        </p:nvSpPr>
+        <p:spPr>
+          <a:xfrm>
+            <a:off x="0" y="0"/>
+            <a:ext cx="12192000" cy="6858000"/>
+          </a:xfrm>
+          <a:prstGeom prst="rect">
+            <a:avLst/>
+          </a:prstGeom>
+          <a:ln>
+            <a:noFill/>
+          </a:ln>
+        </p:spPr>
+        <p:style>
+          <a:lnRef idx="2">
+            <a:schemeClr val="accent1">
+              <a:shade val="50000"/>
+            </a:schemeClr>
+          </a:lnRef>
+          <a:fillRef idx="1">
+            <a:schemeClr val="accent1"/>
+          </a:fillRef>
+          <a:effectRef idx="0">
+            <a:schemeClr val="accent1"/>
+          </a:effectRef>
+          <a:fontRef idx="minor">
+            <a:schemeClr val="lt1"/>
+          </a:fontRef>
+        </p:style>
+        <p:txBody>
+          <a:bodyPr rtlCol="0" anchor="ctr"/>
+          <a:lstStyle/>
+          <a:p>
+            <a:pPr algn="ctr"/>
+            <a:endParaRPr lang="en-US"/>
+          </a:p>
+        </p:txBody>
+      </p:sp>
+      <p:sp>
+        <p:nvSpPr>
+          <p:cNvPr id="10" name="Rectangle 9">
+            <a:extLst>
+              <a:ext uri="{FF2B5EF4-FFF2-40B4-BE49-F238E27FC236}">
+                <a16:creationId xmlns:a16="http://schemas.microsoft.com/office/drawing/2014/main" id="{1578DA0F-394A-417D-892B-8253831A2587}"/>
+              </a:ext>
+              <a:ext uri="{C183D7F6-B498-43B3-948B-1728B52AA6E4}">
+                <adec:decorative xmlns:adec="http://schemas.microsoft.com/office/drawing/2017/decorative" val="1"/>
+              </a:ext>
+            </a:extLst>
+          </p:cNvPr>
+          <p:cNvSpPr>
+            <a:spLocks noGrp="1" noRot="1" noChangeAspect="1" noMove="1" noResize="1" noEditPoints="1" noAdjustHandles="1" noChangeArrowheads="1" noChangeShapeType="1" noTextEdit="1"/>
+          </p:cNvSpPr>
+          <p:nvPr>
+            <p:extLst>
+              <p:ext uri="{386F3935-93C4-4BCD-93E2-E3B085C9AB24}">
+                <p16:designElem xmlns:p16="http://schemas.microsoft.com/office/powerpoint/2015/main" val="1"/>
+              </p:ext>
+            </p:extLst>
+          </p:nvPr>
+        </p:nvSpPr>
+        <p:spPr>
+          <a:xfrm>
+            <a:off x="477012" y="480060"/>
+            <a:ext cx="11237976" cy="5897880"/>
+          </a:xfrm>
+          <a:prstGeom prst="rect">
+            <a:avLst/>
+          </a:prstGeom>
+          <a:solidFill>
+            <a:srgbClr val="FFFFFF"/>
+          </a:solidFill>
+          <a:ln>
+            <a:noFill/>
+          </a:ln>
+        </p:spPr>
+        <p:style>
+          <a:lnRef idx="2">
+            <a:schemeClr val="accent1">
+              <a:shade val="50000"/>
+            </a:schemeClr>
+          </a:lnRef>
+          <a:fillRef idx="1">
+            <a:schemeClr val="accent1"/>
+          </a:fillRef>
+          <a:effectRef idx="0">
+            <a:schemeClr val="accent1"/>
+          </a:effectRef>
+          <a:fontRef idx="minor">
+            <a:schemeClr val="lt1"/>
+          </a:fontRef>
+        </p:style>
+        <p:txBody>
+          <a:bodyPr rtlCol="0" anchor="ctr"/>
+          <a:lstStyle/>
+          <a:p>
+            <a:pPr algn="ctr"/>
+            <a:endParaRPr lang="en-US" dirty="0"/>
+          </a:p>
+        </p:txBody>
+      </p:sp>
+      <p:pic>
+        <p:nvPicPr>
+          <p:cNvPr id="3" name="Picture 2" descr="Chart, bar chart&#10;&#10;Description automatically generated">
+            <a:extLst>
+              <a:ext uri="{FF2B5EF4-FFF2-40B4-BE49-F238E27FC236}">
+                <a16:creationId xmlns:a16="http://schemas.microsoft.com/office/drawing/2014/main" id="{C790CE62-FDE6-5F42-9654-3BB94E6D26C3}"/>
+              </a:ext>
+            </a:extLst>
+          </p:cNvPr>
+          <p:cNvPicPr>
+            <a:picLocks noChangeAspect="1"/>
+          </p:cNvPicPr>
+          <p:nvPr/>
+        </p:nvPicPr>
+        <p:blipFill>
+          <a:blip r:embed="rId2"/>
+          <a:stretch>
+            <a:fillRect/>
+          </a:stretch>
+        </p:blipFill>
+        <p:spPr>
+          <a:xfrm>
+            <a:off x="2381956" y="643467"/>
+            <a:ext cx="7428087" cy="5571066"/>
+          </a:xfrm>
+          <a:prstGeom prst="rect">
+            <a:avLst/>
+          </a:prstGeom>
+        </p:spPr>
+      </p:pic>
+    </p:spTree>
+    <p:extLst>
+      <p:ext uri="{BB962C8B-B14F-4D97-AF65-F5344CB8AC3E}">
+        <p14:creationId xmlns:p14="http://schemas.microsoft.com/office/powerpoint/2010/main" val="1622143088"/>
+      </p:ext>
+    </p:extLst>
+  </p:cSld>
+  <p:clrMapOvr>
+    <a:masterClrMapping/>
+  </p:clrMapOvr>
+</p:sld>
+</file>
+
+<file path=ppt/slides/slide12.xml><?xml version="1.0" encoding="utf-8"?>
+<p:sld xmlns:a="http://schemas.openxmlformats.org/drawingml/2006/main" xmlns:r="http://schemas.openxmlformats.org/officeDocument/2006/relationships" xmlns:p="http://schemas.openxmlformats.org/presentationml/2006/main">
+  <p:cSld>
+    <p:bg>
+      <p:bgPr>
+        <a:blipFill rotWithShape="1">
+          <a:blip r:embed="rId2">
+            <a:duotone>
+              <a:schemeClr val="bg2">
+                <a:shade val="69000"/>
+                <a:hueMod val="108000"/>
+                <a:satMod val="164000"/>
+                <a:lumMod val="74000"/>
+              </a:schemeClr>
+              <a:schemeClr val="bg2">
+                <a:tint val="96000"/>
+                <a:hueMod val="88000"/>
+                <a:satMod val="140000"/>
+                <a:lumMod val="132000"/>
+              </a:schemeClr>
+            </a:duotone>
+          </a:blip>
+          <a:stretch/>
+        </a:blipFill>
+        <a:effectLst/>
+      </p:bgPr>
+    </p:bg>
+    <p:spTree>
+      <p:nvGrpSpPr>
+        <p:cNvPr id="1" name=""/>
+        <p:cNvGrpSpPr/>
+        <p:nvPr/>
+      </p:nvGrpSpPr>
+      <p:grpSpPr>
+        <a:xfrm>
+          <a:off x="0" y="0"/>
+          <a:ext cx="0" cy="0"/>
+          <a:chOff x="0" y="0"/>
+          <a:chExt cx="0" cy="0"/>
+        </a:xfrm>
+      </p:grpSpPr>
+      <p:sp>
+        <p:nvSpPr>
+          <p:cNvPr id="8" name="Rectangle 7">
+            <a:extLst>
+              <a:ext uri="{FF2B5EF4-FFF2-40B4-BE49-F238E27FC236}">
+                <a16:creationId xmlns:a16="http://schemas.microsoft.com/office/drawing/2014/main" id="{4309F268-A45B-4517-B03F-2774BAEFFBA6}"/>
+              </a:ext>
+              <a:ext uri="{C183D7F6-B498-43B3-948B-1728B52AA6E4}">
+                <adec:decorative xmlns:adec="http://schemas.microsoft.com/office/drawing/2017/decorative" val="1"/>
+              </a:ext>
+            </a:extLst>
+          </p:cNvPr>
+          <p:cNvSpPr>
+            <a:spLocks noGrp="1" noRot="1" noChangeAspect="1" noMove="1" noResize="1" noEditPoints="1" noAdjustHandles="1" noChangeArrowheads="1" noChangeShapeType="1" noTextEdit="1"/>
+          </p:cNvSpPr>
+          <p:nvPr>
+            <p:extLst>
+              <p:ext uri="{386F3935-93C4-4BCD-93E2-E3B085C9AB24}">
+                <p16:designElem xmlns:p16="http://schemas.microsoft.com/office/powerpoint/2015/main" val="1"/>
+              </p:ext>
+            </p:extLst>
+          </p:nvPr>
+        </p:nvSpPr>
+        <p:spPr>
+          <a:xfrm>
+            <a:off x="0" y="0"/>
+            <a:ext cx="12192000" cy="6858000"/>
+          </a:xfrm>
+          <a:prstGeom prst="rect">
+            <a:avLst/>
+          </a:prstGeom>
+          <a:solidFill>
+            <a:srgbClr val="5F5F5F"/>
+          </a:solidFill>
+          <a:ln>
+            <a:noFill/>
+          </a:ln>
+        </p:spPr>
+        <p:style>
+          <a:lnRef idx="2">
+            <a:schemeClr val="accent1">
+              <a:shade val="50000"/>
+            </a:schemeClr>
+          </a:lnRef>
+          <a:fillRef idx="1">
+            <a:schemeClr val="accent1"/>
+          </a:fillRef>
+          <a:effectRef idx="0">
+            <a:schemeClr val="accent1"/>
+          </a:effectRef>
+          <a:fontRef idx="minor">
+            <a:schemeClr val="lt1"/>
+          </a:fontRef>
+        </p:style>
+        <p:txBody>
+          <a:bodyPr rtlCol="0" anchor="ctr"/>
+          <a:lstStyle/>
+          <a:p>
+            <a:pPr algn="ctr"/>
+            <a:endParaRPr lang="en-US"/>
+          </a:p>
+        </p:txBody>
+      </p:sp>
+      <p:sp>
+        <p:nvSpPr>
+          <p:cNvPr id="10" name="Rectangle 9">
+            <a:extLst>
+              <a:ext uri="{FF2B5EF4-FFF2-40B4-BE49-F238E27FC236}">
+                <a16:creationId xmlns:a16="http://schemas.microsoft.com/office/drawing/2014/main" id="{B9D71B14-7808-43E1-BE42-8C6201370456}"/>
+              </a:ext>
+              <a:ext uri="{C183D7F6-B498-43B3-948B-1728B52AA6E4}">
+                <adec:decorative xmlns:adec="http://schemas.microsoft.com/office/drawing/2017/decorative" val="1"/>
+              </a:ext>
+            </a:extLst>
+          </p:cNvPr>
+          <p:cNvSpPr>
+            <a:spLocks noGrp="1" noRot="1" noChangeAspect="1" noMove="1" noResize="1" noEditPoints="1" noAdjustHandles="1" noChangeArrowheads="1" noChangeShapeType="1" noTextEdit="1"/>
+          </p:cNvSpPr>
+          <p:nvPr>
+            <p:extLst>
+              <p:ext uri="{386F3935-93C4-4BCD-93E2-E3B085C9AB24}">
+                <p16:designElem xmlns:p16="http://schemas.microsoft.com/office/powerpoint/2015/main" val="1"/>
+              </p:ext>
+            </p:extLst>
+          </p:nvPr>
+        </p:nvSpPr>
+        <p:spPr>
+          <a:xfrm>
+            <a:off x="477012" y="480060"/>
+            <a:ext cx="11237976" cy="5897880"/>
+          </a:xfrm>
+          <a:prstGeom prst="rect">
+            <a:avLst/>
+          </a:prstGeom>
+          <a:solidFill>
+            <a:srgbClr val="FFFFFF"/>
+          </a:solidFill>
+          <a:ln w="9525">
+            <a:noFill/>
+          </a:ln>
+          <a:effectLst>
+            <a:outerShdw blurRad="63500" dist="17780" dir="5400000" algn="t" rotWithShape="0">
+              <a:prstClr val="black">
+                <a:alpha val="43000"/>
+              </a:prstClr>
+            </a:outerShdw>
+          </a:effectLst>
+        </p:spPr>
+        <p:style>
+          <a:lnRef idx="2">
+            <a:schemeClr val="accent1">
+              <a:shade val="50000"/>
+            </a:schemeClr>
+          </a:lnRef>
+          <a:fillRef idx="1">
+            <a:schemeClr val="accent1"/>
+          </a:fillRef>
+          <a:effectRef idx="0">
+            <a:schemeClr val="accent1"/>
+          </a:effectRef>
+          <a:fontRef idx="minor">
+            <a:schemeClr val="lt1"/>
+          </a:fontRef>
+        </p:style>
+        <p:txBody>
+          <a:bodyPr rtlCol="0" anchor="ctr"/>
+          <a:lstStyle/>
+          <a:p>
+            <a:pPr algn="ctr"/>
+            <a:endParaRPr lang="en-US"/>
+          </a:p>
+        </p:txBody>
+      </p:sp>
+      <p:pic>
+        <p:nvPicPr>
+          <p:cNvPr id="3" name="Picture 2" descr="Chart, bar chart&#10;&#10;Description automatically generated">
+            <a:extLst>
+              <a:ext uri="{FF2B5EF4-FFF2-40B4-BE49-F238E27FC236}">
+                <a16:creationId xmlns:a16="http://schemas.microsoft.com/office/drawing/2014/main" id="{123F834C-CEEA-5E46-88E1-60DC5D7339EF}"/>
+              </a:ext>
+            </a:extLst>
+          </p:cNvPr>
+          <p:cNvPicPr>
+            <a:picLocks noChangeAspect="1"/>
+          </p:cNvPicPr>
+          <p:nvPr/>
+        </p:nvPicPr>
+        <p:blipFill>
+          <a:blip r:embed="rId3"/>
+          <a:stretch>
+            <a:fillRect/>
+          </a:stretch>
+        </p:blipFill>
+        <p:spPr>
+          <a:xfrm>
+            <a:off x="2466641" y="643467"/>
+            <a:ext cx="7258717" cy="5571066"/>
+          </a:xfrm>
+          <a:prstGeom prst="rect">
+            <a:avLst/>
+          </a:prstGeom>
+        </p:spPr>
+      </p:pic>
+    </p:spTree>
+    <p:extLst>
+      <p:ext uri="{BB962C8B-B14F-4D97-AF65-F5344CB8AC3E}">
+        <p14:creationId xmlns:p14="http://schemas.microsoft.com/office/powerpoint/2010/main" val="3129210971"/>
+      </p:ext>
+    </p:extLst>
+  </p:cSld>
+  <p:clrMapOvr>
+    <a:masterClrMapping/>
+  </p:clrMapOvr>
+</p:sld>
+</file>
+
+<file path=ppt/slides/slide13.xml><?xml version="1.0" encoding="utf-8"?>
+<p:sld xmlns:a="http://schemas.openxmlformats.org/drawingml/2006/main" xmlns:r="http://schemas.openxmlformats.org/officeDocument/2006/relationships" xmlns:p="http://schemas.openxmlformats.org/presentationml/2006/main">
+  <p:cSld>
+    <p:bg>
+      <p:bgPr>
+        <a:blipFill rotWithShape="1">
+          <a:blip r:embed="rId2">
+            <a:duotone>
+              <a:schemeClr val="bg2">
+                <a:shade val="69000"/>
+                <a:hueMod val="108000"/>
+                <a:satMod val="164000"/>
+                <a:lumMod val="74000"/>
+              </a:schemeClr>
+              <a:schemeClr val="bg2">
+                <a:tint val="96000"/>
+                <a:hueMod val="88000"/>
+                <a:satMod val="140000"/>
+                <a:lumMod val="132000"/>
+              </a:schemeClr>
+            </a:duotone>
+          </a:blip>
+          <a:stretch/>
+        </a:blipFill>
+        <a:effectLst/>
+      </p:bgPr>
+    </p:bg>
+    <p:spTree>
+      <p:nvGrpSpPr>
+        <p:cNvPr id="1" name=""/>
+        <p:cNvGrpSpPr/>
+        <p:nvPr/>
+      </p:nvGrpSpPr>
+      <p:grpSpPr>
+        <a:xfrm>
+          <a:off x="0" y="0"/>
+          <a:ext cx="0" cy="0"/>
+          <a:chOff x="0" y="0"/>
+          <a:chExt cx="0" cy="0"/>
+        </a:xfrm>
+      </p:grpSpPr>
+      <p:pic>
+        <p:nvPicPr>
+          <p:cNvPr id="10" name="Picture 9">
+            <a:extLst>
+              <a:ext uri="{FF2B5EF4-FFF2-40B4-BE49-F238E27FC236}">
+                <a16:creationId xmlns:a16="http://schemas.microsoft.com/office/drawing/2014/main" id="{C9ECDD5C-152A-4CC7-8333-0F367B3A62EA}"/>
+              </a:ext>
+              <a:ext uri="{C183D7F6-B498-43B3-948B-1728B52AA6E4}">
+                <adec:decorative xmlns:adec="http://schemas.microsoft.com/office/drawing/2017/decorative" val="1"/>
+              </a:ext>
+            </a:extLst>
+          </p:cNvPr>
+          <p:cNvPicPr>
+            <a:picLocks noGrp="1" noRot="1" noChangeAspect="1" noMove="1" noResize="1" noEditPoints="1" noAdjustHandles="1" noChangeArrowheads="1" noChangeShapeType="1" noCrop="1"/>
+          </p:cNvPicPr>
+          <p:nvPr>
+            <p:extLst>
+              <p:ext uri="{386F3935-93C4-4BCD-93E2-E3B085C9AB24}">
+                <p16:designElem xmlns:p16="http://schemas.microsoft.com/office/powerpoint/2015/main" val="1"/>
+              </p:ext>
+            </p:extLst>
+          </p:nvPr>
+        </p:nvPicPr>
+        <p:blipFill rotWithShape="1">
+          <a:blip r:embed="rId3">
+            <a:extLst>
+              <a:ext uri="{28A0092B-C50C-407E-A947-70E740481C1C}">
+                <a14:useLocalDpi xmlns:a14="http://schemas.microsoft.com/office/drawing/2010/main" val="0"/>
+              </a:ext>
+            </a:extLst>
+          </a:blip>
+          <a:srcRect l="3613"/>
+          <a:stretch/>
+        </p:blipFill>
+        <p:spPr>
+          <a:xfrm>
+            <a:off x="0" y="2669685"/>
+            <a:ext cx="4037012" cy="4188315"/>
+          </a:xfrm>
+          <a:prstGeom prst="rect">
+            <a:avLst/>
+          </a:prstGeom>
+        </p:spPr>
+      </p:pic>
+      <p:pic>
+        <p:nvPicPr>
+          <p:cNvPr id="12" name="Picture 11">
+            <a:extLst>
+              <a:ext uri="{FF2B5EF4-FFF2-40B4-BE49-F238E27FC236}">
+                <a16:creationId xmlns:a16="http://schemas.microsoft.com/office/drawing/2014/main" id="{7F5C92A3-369B-43F3-BDCE-E560B1B0EC89}"/>
+              </a:ext>
+              <a:ext uri="{C183D7F6-B498-43B3-948B-1728B52AA6E4}">
+                <adec:decorative xmlns:adec="http://schemas.microsoft.com/office/drawing/2017/decorative" val="1"/>
+              </a:ext>
+            </a:extLst>
+          </p:cNvPr>
+          <p:cNvPicPr>
+            <a:picLocks noGrp="1" noRot="1" noChangeAspect="1" noMove="1" noResize="1" noEditPoints="1" noAdjustHandles="1" noChangeArrowheads="1" noChangeShapeType="1" noCrop="1"/>
+          </p:cNvPicPr>
+          <p:nvPr>
+            <p:extLst>
+              <p:ext uri="{386F3935-93C4-4BCD-93E2-E3B085C9AB24}">
+                <p16:designElem xmlns:p16="http://schemas.microsoft.com/office/powerpoint/2015/main" val="1"/>
+              </p:ext>
+            </p:extLst>
+          </p:nvPr>
+        </p:nvPicPr>
+        <p:blipFill rotWithShape="1">
+          <a:blip r:embed="rId4">
+            <a:extLst>
+              <a:ext uri="{28A0092B-C50C-407E-A947-70E740481C1C}">
+                <a14:useLocalDpi xmlns:a14="http://schemas.microsoft.com/office/drawing/2010/main" val="0"/>
+              </a:ext>
+            </a:extLst>
+          </a:blip>
+          <a:srcRect l="35640"/>
+          <a:stretch/>
+        </p:blipFill>
+        <p:spPr>
+          <a:xfrm>
+            <a:off x="0" y="2892347"/>
+            <a:ext cx="1522412" cy="2365453"/>
+          </a:xfrm>
+          <a:prstGeom prst="rect">
+            <a:avLst/>
+          </a:prstGeom>
+        </p:spPr>
+      </p:pic>
+      <p:sp>
+        <p:nvSpPr>
+          <p:cNvPr id="14" name="Oval 13">
+            <a:extLst>
+              <a:ext uri="{FF2B5EF4-FFF2-40B4-BE49-F238E27FC236}">
+                <a16:creationId xmlns:a16="http://schemas.microsoft.com/office/drawing/2014/main" id="{AEBE9F1A-B38D-446E-83AE-14B17CE77FF2}"/>
+              </a:ext>
+              <a:ext uri="{C183D7F6-B498-43B3-948B-1728B52AA6E4}">
+                <adec:decorative xmlns:adec="http://schemas.microsoft.com/office/drawing/2017/decorative" val="1"/>
+              </a:ext>
+            </a:extLst>
+          </p:cNvPr>
+          <p:cNvSpPr>
+            <a:spLocks noGrp="1" noRot="1" noChangeAspect="1" noMove="1" noResize="1" noEditPoints="1" noAdjustHandles="1" noChangeArrowheads="1" noChangeShapeType="1" noTextEdit="1"/>
+          </p:cNvSpPr>
+          <p:nvPr>
+            <p:extLst>
+              <p:ext uri="{386F3935-93C4-4BCD-93E2-E3B085C9AB24}">
+                <p16:designElem xmlns:p16="http://schemas.microsoft.com/office/powerpoint/2015/main" val="1"/>
+              </p:ext>
+            </p:extLst>
+          </p:nvPr>
+        </p:nvSpPr>
+        <p:spPr>
+          <a:xfrm>
+            <a:off x="8609012" y="1676400"/>
+            <a:ext cx="2819400" cy="2819400"/>
+          </a:xfrm>
+          <a:prstGeom prst="ellipse">
+            <a:avLst/>
+          </a:prstGeom>
+          <a:gradFill flip="none" rotWithShape="1">
+            <a:gsLst>
+              <a:gs pos="0">
+                <a:schemeClr val="bg2">
+                  <a:lumMod val="60000"/>
+                  <a:lumOff val="40000"/>
+                  <a:alpha val="7000"/>
+                </a:schemeClr>
+              </a:gs>
+              <a:gs pos="69000">
+                <a:schemeClr val="bg2">
+                  <a:lumMod val="60000"/>
+                  <a:lumOff val="40000"/>
+                  <a:alpha val="0"/>
+                </a:schemeClr>
+              </a:gs>
+              <a:gs pos="36000">
+                <a:schemeClr val="bg2">
+                  <a:lumMod val="60000"/>
+                  <a:lumOff val="40000"/>
+                  <a:alpha val="6000"/>
+                </a:schemeClr>
+              </a:gs>
+            </a:gsLst>
+            <a:path path="circle">
+              <a:fillToRect l="50000" t="50000" r="50000" b="50000"/>
+            </a:path>
+            <a:tileRect/>
+          </a:gradFill>
+          <a:ln>
+            <a:noFill/>
+          </a:ln>
+          <a:effectLst/>
+        </p:spPr>
+        <p:style>
+          <a:lnRef idx="1">
+            <a:schemeClr val="accent1"/>
+          </a:lnRef>
+          <a:fillRef idx="3">
+            <a:schemeClr val="accent1"/>
+          </a:fillRef>
+          <a:effectRef idx="2">
+            <a:schemeClr val="accent1"/>
+          </a:effectRef>
+          <a:fontRef idx="minor">
+            <a:schemeClr val="lt1"/>
+          </a:fontRef>
+        </p:style>
+      </p:sp>
+      <p:pic>
+        <p:nvPicPr>
+          <p:cNvPr id="16" name="Picture 15">
+            <a:extLst>
+              <a:ext uri="{FF2B5EF4-FFF2-40B4-BE49-F238E27FC236}">
+                <a16:creationId xmlns:a16="http://schemas.microsoft.com/office/drawing/2014/main" id="{915B5014-A7EC-4BA6-9C83-8840CF81DB28}"/>
+              </a:ext>
+              <a:ext uri="{C183D7F6-B498-43B3-948B-1728B52AA6E4}">
+                <adec:decorative xmlns:adec="http://schemas.microsoft.com/office/drawing/2017/decorative" val="1"/>
+              </a:ext>
+            </a:extLst>
+          </p:cNvPr>
+          <p:cNvPicPr>
+            <a:picLocks noGrp="1" noRot="1" noChangeAspect="1" noMove="1" noResize="1" noEditPoints="1" noAdjustHandles="1" noChangeArrowheads="1" noChangeShapeType="1" noCrop="1"/>
+          </p:cNvPicPr>
+          <p:nvPr>
+            <p:extLst>
+              <p:ext uri="{386F3935-93C4-4BCD-93E2-E3B085C9AB24}">
+                <p16:designElem xmlns:p16="http://schemas.microsoft.com/office/powerpoint/2015/main" val="1"/>
+              </p:ext>
+            </p:extLst>
+          </p:nvPr>
+        </p:nvPicPr>
+        <p:blipFill rotWithShape="1">
+          <a:blip r:embed="rId5">
+            <a:extLst>
+              <a:ext uri="{28A0092B-C50C-407E-A947-70E740481C1C}">
+                <a14:useLocalDpi xmlns:a14="http://schemas.microsoft.com/office/drawing/2010/main" val="0"/>
+              </a:ext>
+            </a:extLst>
+          </a:blip>
+          <a:srcRect t="28813"/>
+          <a:stretch/>
+        </p:blipFill>
+        <p:spPr>
+          <a:xfrm>
+            <a:off x="7999412" y="0"/>
+            <a:ext cx="1603387" cy="1141407"/>
+          </a:xfrm>
+          <a:prstGeom prst="rect">
+            <a:avLst/>
+          </a:prstGeom>
+        </p:spPr>
+      </p:pic>
+      <p:pic>
+        <p:nvPicPr>
+          <p:cNvPr id="18" name="Picture 17">
+            <a:extLst>
+              <a:ext uri="{FF2B5EF4-FFF2-40B4-BE49-F238E27FC236}">
+                <a16:creationId xmlns:a16="http://schemas.microsoft.com/office/drawing/2014/main" id="{022C43AB-86D7-420D-8AD7-DC0A15FDD0AF}"/>
+              </a:ext>
+              <a:ext uri="{C183D7F6-B498-43B3-948B-1728B52AA6E4}">
+                <adec:decorative xmlns:adec="http://schemas.microsoft.com/office/drawing/2017/decorative" val="1"/>
+              </a:ext>
+            </a:extLst>
+          </p:cNvPr>
+          <p:cNvPicPr>
+            <a:picLocks noGrp="1" noRot="1" noChangeAspect="1" noMove="1" noResize="1" noEditPoints="1" noAdjustHandles="1" noChangeArrowheads="1" noChangeShapeType="1" noCrop="1"/>
+          </p:cNvPicPr>
+          <p:nvPr>
+            <p:extLst>
+              <p:ext uri="{386F3935-93C4-4BCD-93E2-E3B085C9AB24}">
+                <p16:designElem xmlns:p16="http://schemas.microsoft.com/office/powerpoint/2015/main" val="1"/>
+              </p:ext>
+            </p:extLst>
+          </p:nvPr>
+        </p:nvPicPr>
+        <p:blipFill rotWithShape="1">
+          <a:blip r:embed="rId6">
+            <a:extLst>
+              <a:ext uri="{28A0092B-C50C-407E-A947-70E740481C1C}">
+                <a14:useLocalDpi xmlns:a14="http://schemas.microsoft.com/office/drawing/2010/main" val="0"/>
+              </a:ext>
+            </a:extLst>
+          </a:blip>
+          <a:srcRect b="23320"/>
+          <a:stretch/>
+        </p:blipFill>
+        <p:spPr>
+          <a:xfrm>
+            <a:off x="8605878" y="6096000"/>
+            <a:ext cx="993734" cy="762000"/>
+          </a:xfrm>
+          <a:prstGeom prst="rect">
+            <a:avLst/>
+          </a:prstGeom>
+        </p:spPr>
+      </p:pic>
+      <p:sp>
+        <p:nvSpPr>
+          <p:cNvPr id="20" name="Rectangle 19">
+            <a:extLst>
+              <a:ext uri="{FF2B5EF4-FFF2-40B4-BE49-F238E27FC236}">
+                <a16:creationId xmlns:a16="http://schemas.microsoft.com/office/drawing/2014/main" id="{5E3EB826-A471-488F-9E8A-D65528A3C0CA}"/>
+              </a:ext>
+              <a:ext uri="{C183D7F6-B498-43B3-948B-1728B52AA6E4}">
+                <adec:decorative xmlns:adec="http://schemas.microsoft.com/office/drawing/2017/decorative" val="1"/>
+              </a:ext>
+            </a:extLst>
+          </p:cNvPr>
+          <p:cNvSpPr>
+            <a:spLocks noGrp="1" noRot="1" noChangeAspect="1" noMove="1" noResize="1" noEditPoints="1" noAdjustHandles="1" noChangeArrowheads="1" noChangeShapeType="1" noTextEdit="1"/>
+          </p:cNvSpPr>
+          <p:nvPr>
+            <p:extLst>
+              <p:ext uri="{386F3935-93C4-4BCD-93E2-E3B085C9AB24}">
+                <p16:designElem xmlns:p16="http://schemas.microsoft.com/office/powerpoint/2015/main" val="1"/>
+              </p:ext>
+            </p:extLst>
+          </p:nvPr>
+        </p:nvSpPr>
+        <p:spPr>
+          <a:xfrm>
+            <a:off x="10437812" y="0"/>
+            <a:ext cx="685800" cy="1143000"/>
+          </a:xfrm>
+          <a:prstGeom prst="rect">
+            <a:avLst/>
+          </a:prstGeom>
+          <a:solidFill>
+            <a:schemeClr val="accent1"/>
+          </a:solidFill>
+          <a:ln>
+            <a:noFill/>
+          </a:ln>
+        </p:spPr>
+        <p:style>
+          <a:lnRef idx="1">
+            <a:schemeClr val="accent1"/>
+          </a:lnRef>
+          <a:fillRef idx="3">
+            <a:schemeClr val="accent1"/>
+          </a:fillRef>
+          <a:effectRef idx="2">
+            <a:schemeClr val="accent1"/>
+          </a:effectRef>
+          <a:fontRef idx="minor">
+            <a:schemeClr val="lt1"/>
+          </a:fontRef>
+        </p:style>
+      </p:sp>
+      <p:sp>
+        <p:nvSpPr>
+          <p:cNvPr id="22" name="Rectangle 21">
+            <a:extLst>
+              <a:ext uri="{FF2B5EF4-FFF2-40B4-BE49-F238E27FC236}">
+                <a16:creationId xmlns:a16="http://schemas.microsoft.com/office/drawing/2014/main" id="{4309F268-A45B-4517-B03F-2774BAEFFBA6}"/>
+              </a:ext>
+              <a:ext uri="{C183D7F6-B498-43B3-948B-1728B52AA6E4}">
+                <adec:decorative xmlns:adec="http://schemas.microsoft.com/office/drawing/2017/decorative" val="1"/>
+              </a:ext>
+            </a:extLst>
+          </p:cNvPr>
+          <p:cNvSpPr>
+            <a:spLocks noGrp="1" noRot="1" noChangeAspect="1" noMove="1" noResize="1" noEditPoints="1" noAdjustHandles="1" noChangeArrowheads="1" noChangeShapeType="1" noTextEdit="1"/>
+          </p:cNvSpPr>
+          <p:nvPr>
+            <p:extLst>
+              <p:ext uri="{386F3935-93C4-4BCD-93E2-E3B085C9AB24}">
+                <p16:designElem xmlns:p16="http://schemas.microsoft.com/office/powerpoint/2015/main" val="1"/>
+              </p:ext>
+            </p:extLst>
+          </p:nvPr>
+        </p:nvSpPr>
+        <p:spPr>
+          <a:xfrm>
+            <a:off x="0" y="0"/>
+            <a:ext cx="12192000" cy="6858000"/>
+          </a:xfrm>
+          <a:prstGeom prst="rect">
+            <a:avLst/>
+          </a:prstGeom>
+          <a:solidFill>
+            <a:srgbClr val="5F5F5F"/>
+          </a:solidFill>
+          <a:ln>
+            <a:noFill/>
+          </a:ln>
+        </p:spPr>
+        <p:style>
+          <a:lnRef idx="2">
+            <a:schemeClr val="accent1">
+              <a:shade val="50000"/>
+            </a:schemeClr>
+          </a:lnRef>
+          <a:fillRef idx="1">
+            <a:schemeClr val="accent1"/>
+          </a:fillRef>
+          <a:effectRef idx="0">
+            <a:schemeClr val="accent1"/>
+          </a:effectRef>
+          <a:fontRef idx="minor">
+            <a:schemeClr val="lt1"/>
+          </a:fontRef>
+        </p:style>
+        <p:txBody>
+          <a:bodyPr rtlCol="0" anchor="ctr"/>
+          <a:lstStyle/>
+          <a:p>
+            <a:pPr algn="ctr"/>
+            <a:endParaRPr lang="en-US"/>
+          </a:p>
+        </p:txBody>
+      </p:sp>
+      <p:sp>
+        <p:nvSpPr>
+          <p:cNvPr id="24" name="Rectangle 23">
+            <a:extLst>
+              <a:ext uri="{FF2B5EF4-FFF2-40B4-BE49-F238E27FC236}">
+                <a16:creationId xmlns:a16="http://schemas.microsoft.com/office/drawing/2014/main" id="{B9D71B14-7808-43E1-BE42-8C6201370456}"/>
+              </a:ext>
+              <a:ext uri="{C183D7F6-B498-43B3-948B-1728B52AA6E4}">
+                <adec:decorative xmlns:adec="http://schemas.microsoft.com/office/drawing/2017/decorative" val="1"/>
+              </a:ext>
+            </a:extLst>
+          </p:cNvPr>
+          <p:cNvSpPr>
+            <a:spLocks noGrp="1" noRot="1" noChangeAspect="1" noMove="1" noResize="1" noEditPoints="1" noAdjustHandles="1" noChangeArrowheads="1" noChangeShapeType="1" noTextEdit="1"/>
+          </p:cNvSpPr>
+          <p:nvPr>
+            <p:extLst>
+              <p:ext uri="{386F3935-93C4-4BCD-93E2-E3B085C9AB24}">
+                <p16:designElem xmlns:p16="http://schemas.microsoft.com/office/powerpoint/2015/main" val="1"/>
+              </p:ext>
+            </p:extLst>
+          </p:nvPr>
+        </p:nvSpPr>
+        <p:spPr>
+          <a:xfrm>
+            <a:off x="477012" y="480060"/>
+            <a:ext cx="11237976" cy="5897880"/>
+          </a:xfrm>
+          <a:prstGeom prst="rect">
+            <a:avLst/>
+          </a:prstGeom>
+          <a:solidFill>
+            <a:srgbClr val="FFFFFF"/>
+          </a:solidFill>
+          <a:ln w="9525">
+            <a:noFill/>
+          </a:ln>
+          <a:effectLst>
+            <a:outerShdw blurRad="63500" dist="17780" dir="5400000" algn="t" rotWithShape="0">
+              <a:prstClr val="black">
+                <a:alpha val="43000"/>
+              </a:prstClr>
+            </a:outerShdw>
+          </a:effectLst>
+        </p:spPr>
+        <p:style>
+          <a:lnRef idx="2">
+            <a:schemeClr val="accent1">
+              <a:shade val="50000"/>
+            </a:schemeClr>
+          </a:lnRef>
+          <a:fillRef idx="1">
+            <a:schemeClr val="accent1"/>
+          </a:fillRef>
+          <a:effectRef idx="0">
+            <a:schemeClr val="accent1"/>
+          </a:effectRef>
+          <a:fontRef idx="minor">
+            <a:schemeClr val="lt1"/>
+          </a:fontRef>
+        </p:style>
+        <p:txBody>
+          <a:bodyPr rtlCol="0" anchor="ctr"/>
+          <a:lstStyle/>
+          <a:p>
+            <a:pPr algn="ctr"/>
+            <a:endParaRPr lang="en-US"/>
+          </a:p>
+        </p:txBody>
+      </p:sp>
+      <p:pic>
+        <p:nvPicPr>
+          <p:cNvPr id="5" name="Picture 4" descr="Chart, box and whisker chart&#10;&#10;Description automatically generated">
+            <a:extLst>
+              <a:ext uri="{FF2B5EF4-FFF2-40B4-BE49-F238E27FC236}">
+                <a16:creationId xmlns:a16="http://schemas.microsoft.com/office/drawing/2014/main" id="{07B6A0F7-87A0-A241-BA0C-4BDC16A6F8F0}"/>
+              </a:ext>
+            </a:extLst>
+          </p:cNvPr>
+          <p:cNvPicPr>
+            <a:picLocks noChangeAspect="1"/>
+          </p:cNvPicPr>
+          <p:nvPr/>
+        </p:nvPicPr>
+        <p:blipFill>
+          <a:blip r:embed="rId7"/>
+          <a:stretch>
+            <a:fillRect/>
+          </a:stretch>
+        </p:blipFill>
+        <p:spPr>
+          <a:xfrm>
+            <a:off x="1999628" y="643467"/>
+            <a:ext cx="8192744" cy="5571066"/>
+          </a:xfrm>
+          <a:prstGeom prst="rect">
+            <a:avLst/>
+          </a:prstGeom>
+        </p:spPr>
+      </p:pic>
+    </p:spTree>
+    <p:extLst>
+      <p:ext uri="{BB962C8B-B14F-4D97-AF65-F5344CB8AC3E}">
+        <p14:creationId xmlns:p14="http://schemas.microsoft.com/office/powerpoint/2010/main" val="3311820102"/>
+      </p:ext>
+    </p:extLst>
+  </p:cSld>
+  <p:clrMapOvr>
+    <a:masterClrMapping/>
+  </p:clrMapOvr>
+</p:sld>
+</file>
+
+<file path=ppt/slides/slide14.xml><?xml version="1.0" encoding="utf-8"?>
+<p:sld xmlns:a="http://schemas.openxmlformats.org/drawingml/2006/main" xmlns:r="http://schemas.openxmlformats.org/officeDocument/2006/relationships" xmlns:p="http://schemas.openxmlformats.org/presentationml/2006/main">
+  <p:cSld>
+    <p:spTree>
+      <p:nvGrpSpPr>
+        <p:cNvPr id="1" name=""/>
+        <p:cNvGrpSpPr/>
+        <p:nvPr/>
+      </p:nvGrpSpPr>
+      <p:grpSpPr>
+        <a:xfrm>
+          <a:off x="0" y="0"/>
+          <a:ext cx="0" cy="0"/>
+          <a:chOff x="0" y="0"/>
+          <a:chExt cx="0" cy="0"/>
+        </a:xfrm>
+      </p:grpSpPr>
+      <p:sp>
+        <p:nvSpPr>
+          <p:cNvPr id="2" name="Title 1">
+            <a:extLst>
+              <a:ext uri="{FF2B5EF4-FFF2-40B4-BE49-F238E27FC236}">
+                <a16:creationId xmlns:a16="http://schemas.microsoft.com/office/drawing/2014/main" id="{3CA3D735-149B-6946-B9B9-C329FFA2843F}"/>
+              </a:ext>
+            </a:extLst>
+          </p:cNvPr>
+          <p:cNvSpPr>
+            <a:spLocks noGrp="1"/>
+          </p:cNvSpPr>
+          <p:nvPr>
+            <p:ph type="title"/>
+          </p:nvPr>
+        </p:nvSpPr>
+        <p:spPr/>
+        <p:txBody>
+          <a:bodyPr/>
+          <a:lstStyle/>
+          <a:p>
+            <a:r>
+              <a:rPr lang="en-US" dirty="0"/>
+              <a:t>Tableau</a:t>
+            </a:r>
+          </a:p>
+        </p:txBody>
+      </p:sp>
+      <p:sp>
+        <p:nvSpPr>
+          <p:cNvPr id="3" name="Content Placeholder 2">
+            <a:extLst>
+              <a:ext uri="{FF2B5EF4-FFF2-40B4-BE49-F238E27FC236}">
+                <a16:creationId xmlns:a16="http://schemas.microsoft.com/office/drawing/2014/main" id="{1FB6594F-4131-AE43-ABE6-5F997BCD7556}"/>
+              </a:ext>
+            </a:extLst>
+          </p:cNvPr>
+          <p:cNvSpPr>
+            <a:spLocks noGrp="1"/>
+          </p:cNvSpPr>
+          <p:nvPr>
+            <p:ph idx="1"/>
+          </p:nvPr>
+        </p:nvSpPr>
+        <p:spPr>
+          <a:xfrm>
+            <a:off x="1103312" y="5705017"/>
+            <a:ext cx="8946541" cy="543382"/>
+          </a:xfrm>
+        </p:spPr>
+        <p:txBody>
+          <a:bodyPr>
+            <a:normAutofit fontScale="85000" lnSpcReduction="20000"/>
+          </a:bodyPr>
+          <a:lstStyle/>
+          <a:p>
+            <a:r>
+              <a:rPr lang="en-US" dirty="0">
+                <a:hlinkClick r:id="rId2"/>
+              </a:rPr>
+              <a:t>https://public.tableau.com/app/profile/guy6801/viz/TitanicProject_16762110932600/TitanicProjectDashboard?publish=yes</a:t>
+            </a:r>
+            <a:endParaRPr lang="en-US" dirty="0"/>
+          </a:p>
+          <a:p>
+            <a:endParaRPr lang="en-US" dirty="0"/>
+          </a:p>
+        </p:txBody>
+      </p:sp>
+      <p:pic>
+        <p:nvPicPr>
+          <p:cNvPr id="4" name="Picture 3">
+            <a:extLst>
+              <a:ext uri="{FF2B5EF4-FFF2-40B4-BE49-F238E27FC236}">
+                <a16:creationId xmlns:a16="http://schemas.microsoft.com/office/drawing/2014/main" id="{C4EBD907-DDD6-4D44-BC2D-18F894FF499C}"/>
+              </a:ext>
+            </a:extLst>
+          </p:cNvPr>
+          <p:cNvPicPr>
+            <a:picLocks noChangeAspect="1"/>
+          </p:cNvPicPr>
+          <p:nvPr/>
+        </p:nvPicPr>
+        <p:blipFill>
+          <a:blip r:embed="rId3"/>
+          <a:stretch>
+            <a:fillRect/>
+          </a:stretch>
+        </p:blipFill>
+        <p:spPr>
+          <a:xfrm>
+            <a:off x="4073218" y="452718"/>
+            <a:ext cx="5976635" cy="5219700"/>
+          </a:xfrm>
+          <a:prstGeom prst="rect">
+            <a:avLst/>
+          </a:prstGeom>
+        </p:spPr>
+      </p:pic>
+    </p:spTree>
+    <p:extLst>
+      <p:ext uri="{BB962C8B-B14F-4D97-AF65-F5344CB8AC3E}">
+        <p14:creationId xmlns:p14="http://schemas.microsoft.com/office/powerpoint/2010/main" val="1258009972"/>
+      </p:ext>
+    </p:extLst>
+  </p:cSld>
+  <p:clrMapOvr>
+    <a:masterClrMapping/>
+  </p:clrMapOvr>
+</p:sld>
+</file>
+
+<file path=ppt/slides/slide15.xml><?xml version="1.0" encoding="utf-8"?>
+<p:sld xmlns:a="http://schemas.openxmlformats.org/drawingml/2006/main" xmlns:r="http://schemas.openxmlformats.org/officeDocument/2006/relationships" xmlns:p="http://schemas.openxmlformats.org/presentationml/2006/main">
+  <p:cSld>
+    <p:spTree>
+      <p:nvGrpSpPr>
+        <p:cNvPr id="1" name=""/>
+        <p:cNvGrpSpPr/>
+        <p:nvPr/>
+      </p:nvGrpSpPr>
+      <p:grpSpPr>
+        <a:xfrm>
+          <a:off x="0" y="0"/>
+          <a:ext cx="0" cy="0"/>
+          <a:chOff x="0" y="0"/>
+          <a:chExt cx="0" cy="0"/>
+        </a:xfrm>
+      </p:grpSpPr>
+      <p:sp>
+        <p:nvSpPr>
+          <p:cNvPr id="2" name="Title 1">
+            <a:extLst>
+              <a:ext uri="{FF2B5EF4-FFF2-40B4-BE49-F238E27FC236}">
+                <a16:creationId xmlns:a16="http://schemas.microsoft.com/office/drawing/2014/main" id="{036462C1-D696-B646-97F3-6A20976A643D}"/>
+              </a:ext>
+            </a:extLst>
+          </p:cNvPr>
+          <p:cNvSpPr>
+            <a:spLocks noGrp="1"/>
+          </p:cNvSpPr>
+          <p:nvPr>
+            <p:ph type="title"/>
+          </p:nvPr>
+        </p:nvSpPr>
+        <p:spPr/>
+        <p:txBody>
+          <a:bodyPr/>
+          <a:lstStyle/>
+          <a:p>
+            <a:r>
+              <a:rPr lang="en-US" dirty="0"/>
+              <a:t>Conclusions</a:t>
+            </a:r>
+          </a:p>
+        </p:txBody>
+      </p:sp>
+      <p:sp>
+        <p:nvSpPr>
+          <p:cNvPr id="3" name="Content Placeholder 2">
+            <a:extLst>
+              <a:ext uri="{FF2B5EF4-FFF2-40B4-BE49-F238E27FC236}">
+                <a16:creationId xmlns:a16="http://schemas.microsoft.com/office/drawing/2014/main" id="{995965F6-AD1E-064E-81F3-659072DD6E60}"/>
+              </a:ext>
+            </a:extLst>
+          </p:cNvPr>
+          <p:cNvSpPr>
+            <a:spLocks noGrp="1"/>
+          </p:cNvSpPr>
+          <p:nvPr>
+            <p:ph idx="1"/>
+          </p:nvPr>
+        </p:nvSpPr>
+        <p:spPr/>
+        <p:txBody>
+          <a:bodyPr/>
+          <a:lstStyle/>
+          <a:p>
+            <a:r>
+              <a:rPr lang="en-US" dirty="0"/>
+              <a:t>Models could predict with good accuracy whether or not a passenger would survive</a:t>
+            </a:r>
+          </a:p>
+          <a:p>
+            <a:endParaRPr lang="en-US" dirty="0"/>
+          </a:p>
+          <a:p>
+            <a:endParaRPr lang="en-US" dirty="0"/>
+          </a:p>
+        </p:txBody>
+      </p:sp>
+    </p:spTree>
+    <p:extLst>
+      <p:ext uri="{BB962C8B-B14F-4D97-AF65-F5344CB8AC3E}">
+        <p14:creationId xmlns:p14="http://schemas.microsoft.com/office/powerpoint/2010/main" val="733211215"/>
       </p:ext>
     </p:extLst>
   </p:cSld>
@@ -8325,7 +9735,7 @@
           <a:bodyPr/>
           <a:lstStyle/>
           <a:p>
-            <a:endParaRPr lang="en-US"/>
+            <a:endParaRPr lang="en-US" dirty="0"/>
           </a:p>
         </p:txBody>
       </p:sp>
@@ -8650,7 +10060,7 @@
           <p:cNvPr id="2" name="Title 1">
             <a:extLst>
               <a:ext uri="{FF2B5EF4-FFF2-40B4-BE49-F238E27FC236}">
-                <a16:creationId xmlns:a16="http://schemas.microsoft.com/office/drawing/2014/main" id="{3CA3D735-149B-6946-B9B9-C329FFA2843F}"/>
+                <a16:creationId xmlns:a16="http://schemas.microsoft.com/office/drawing/2014/main" id="{959BE5E9-45AD-9340-A494-8EA9AE8AC6B4}"/>
               </a:ext>
             </a:extLst>
           </p:cNvPr>
@@ -8658,7 +10068,7 @@
             <a:spLocks noGrp="1"/>
           </p:cNvSpPr>
           <p:nvPr>
-            <p:ph type="title"/>
+            <p:ph type="ctrTitle"/>
           </p:nvPr>
         </p:nvSpPr>
         <p:spPr/>
@@ -8668,83 +10078,15 @@
           <a:p>
             <a:r>
               <a:rPr lang="en-US" dirty="0"/>
-              <a:t>Tableau</a:t>
-            </a:r>
-          </a:p>
-        </p:txBody>
-      </p:sp>
-      <p:sp>
-        <p:nvSpPr>
-          <p:cNvPr id="3" name="Content Placeholder 2">
-            <a:extLst>
-              <a:ext uri="{FF2B5EF4-FFF2-40B4-BE49-F238E27FC236}">
-                <a16:creationId xmlns:a16="http://schemas.microsoft.com/office/drawing/2014/main" id="{1FB6594F-4131-AE43-ABE6-5F997BCD7556}"/>
-              </a:ext>
-            </a:extLst>
-          </p:cNvPr>
-          <p:cNvSpPr>
-            <a:spLocks noGrp="1"/>
-          </p:cNvSpPr>
-          <p:nvPr>
-            <p:ph idx="1"/>
-          </p:nvPr>
-        </p:nvSpPr>
-        <p:spPr>
-          <a:xfrm>
-            <a:off x="1103312" y="5705017"/>
-            <a:ext cx="8946541" cy="543382"/>
-          </a:xfrm>
-        </p:spPr>
-        <p:txBody>
-          <a:bodyPr/>
-          <a:lstStyle/>
-          <a:p>
-            <a:r>
-              <a:rPr lang="en-US" b="0" i="0" u="sng" dirty="0">
-                <a:effectLst/>
-                <a:latin typeface="-apple-system"/>
-                <a:hlinkClick r:id="rId2"/>
-              </a:rPr>
-              <a:t>Tableau Analysis Link</a:t>
-            </a:r>
-            <a:endParaRPr lang="en-US" dirty="0"/>
-          </a:p>
-        </p:txBody>
-      </p:sp>
-      <p:pic>
-        <p:nvPicPr>
-          <p:cNvPr id="4" name="Picture 3">
-            <a:extLst>
-              <a:ext uri="{FF2B5EF4-FFF2-40B4-BE49-F238E27FC236}">
-                <a16:creationId xmlns:a16="http://schemas.microsoft.com/office/drawing/2014/main" id="{C4EBD907-DDD6-4D44-BC2D-18F894FF499C}"/>
-              </a:ext>
-            </a:extLst>
-          </p:cNvPr>
-          <p:cNvPicPr>
-            <a:picLocks noChangeAspect="1"/>
-          </p:cNvPicPr>
-          <p:nvPr/>
-        </p:nvPicPr>
-        <p:blipFill>
-          <a:blip r:embed="rId3"/>
-          <a:stretch>
-            <a:fillRect/>
-          </a:stretch>
-        </p:blipFill>
-        <p:spPr>
-          <a:xfrm>
-            <a:off x="4073218" y="452718"/>
-            <a:ext cx="5976635" cy="5219700"/>
-          </a:xfrm>
-          <a:prstGeom prst="rect">
-            <a:avLst/>
-          </a:prstGeom>
-        </p:spPr>
-      </p:pic>
+              <a:t>Visualizations</a:t>
+            </a:r>
+          </a:p>
+        </p:txBody>
+      </p:sp>
     </p:spTree>
     <p:extLst>
       <p:ext uri="{BB962C8B-B14F-4D97-AF65-F5344CB8AC3E}">
-        <p14:creationId xmlns:p14="http://schemas.microsoft.com/office/powerpoint/2010/main" val="1258009972"/>
+        <p14:creationId xmlns:p14="http://schemas.microsoft.com/office/powerpoint/2010/main" val="1825005327"/>
       </p:ext>
     </p:extLst>
   </p:cSld>
@@ -8757,6 +10099,30 @@
 <file path=ppt/slides/slide8.xml><?xml version="1.0" encoding="utf-8"?>
 <p:sld xmlns:a="http://schemas.openxmlformats.org/drawingml/2006/main" xmlns:r="http://schemas.openxmlformats.org/officeDocument/2006/relationships" xmlns:p="http://schemas.openxmlformats.org/presentationml/2006/main">
   <p:cSld>
+    <p:bg>
+      <p:bgPr>
+        <a:blipFill rotWithShape="1">
+          <a:blip r:embed="rId2">
+            <a:duotone>
+              <a:schemeClr val="bg2">
+                <a:shade val="69000"/>
+                <a:hueMod val="108000"/>
+                <a:satMod val="164000"/>
+                <a:lumMod val="74000"/>
+              </a:schemeClr>
+              <a:schemeClr val="bg2">
+                <a:tint val="96000"/>
+                <a:hueMod val="88000"/>
+                <a:satMod val="140000"/>
+                <a:lumMod val="132000"/>
+              </a:schemeClr>
+            </a:duotone>
+          </a:blip>
+          <a:stretch/>
+        </a:blipFill>
+        <a:effectLst/>
+      </p:bgPr>
+    </p:bg>
     <p:spTree>
       <p:nvGrpSpPr>
         <p:cNvPr id="1" name=""/>
@@ -8771,38 +10137,39 @@
           <a:chExt cx="0" cy="0"/>
         </a:xfrm>
       </p:grpSpPr>
-      <p:sp>
-        <p:nvSpPr>
-          <p:cNvPr id="2" name="Title 1">
+      <p:pic>
+        <p:nvPicPr>
+          <p:cNvPr id="3" name="Picture 2" descr="Application, table&#10;&#10;Description automatically generated">
             <a:extLst>
               <a:ext uri="{FF2B5EF4-FFF2-40B4-BE49-F238E27FC236}">
-                <a16:creationId xmlns:a16="http://schemas.microsoft.com/office/drawing/2014/main" id="{C0250D79-0A89-1F42-AFAA-8FFE246E9CC8}"/>
+                <a16:creationId xmlns:a16="http://schemas.microsoft.com/office/drawing/2014/main" id="{61A6D5B3-177F-7741-94F5-0BBE8402CF66}"/>
               </a:ext>
             </a:extLst>
           </p:cNvPr>
-          <p:cNvSpPr>
-            <a:spLocks noGrp="1"/>
-          </p:cNvSpPr>
-          <p:nvPr>
-            <p:ph type="title"/>
-          </p:nvPr>
-        </p:nvSpPr>
-        <p:spPr/>
-        <p:txBody>
-          <a:bodyPr/>
-          <a:lstStyle/>
-          <a:p>
-            <a:r>
-              <a:rPr lang="en-US" dirty="0"/>
-              <a:t>Results</a:t>
-            </a:r>
-          </a:p>
-        </p:txBody>
-      </p:sp>
+          <p:cNvPicPr>
+            <a:picLocks noChangeAspect="1"/>
+          </p:cNvPicPr>
+          <p:nvPr/>
+        </p:nvPicPr>
+        <p:blipFill rotWithShape="1">
+          <a:blip r:embed="rId3"/>
+          <a:srcRect b="4255"/>
+          <a:stretch/>
+        </p:blipFill>
+        <p:spPr>
+          <a:xfrm>
+            <a:off x="20" y="10"/>
+            <a:ext cx="12191980" cy="6857990"/>
+          </a:xfrm>
+          <a:prstGeom prst="rect">
+            <a:avLst/>
+          </a:prstGeom>
+        </p:spPr>
+      </p:pic>
     </p:spTree>
     <p:extLst>
       <p:ext uri="{BB962C8B-B14F-4D97-AF65-F5344CB8AC3E}">
-        <p14:creationId xmlns:p14="http://schemas.microsoft.com/office/powerpoint/2010/main" val="3233174889"/>
+        <p14:creationId xmlns:p14="http://schemas.microsoft.com/office/powerpoint/2010/main" val="3595179798"/>
       </p:ext>
     </p:extLst>
   </p:cSld>
@@ -8815,6 +10182,35 @@
 <file path=ppt/slides/slide9.xml><?xml version="1.0" encoding="utf-8"?>
 <p:sld xmlns:a="http://schemas.openxmlformats.org/drawingml/2006/main" xmlns:r="http://schemas.openxmlformats.org/officeDocument/2006/relationships" xmlns:p="http://schemas.openxmlformats.org/presentationml/2006/main">
   <p:cSld>
+    <p:bg>
+      <p:bgPr>
+        <a:gradFill rotWithShape="1">
+          <a:gsLst>
+            <a:gs pos="0">
+              <a:schemeClr val="bg1">
+                <a:tint val="97000"/>
+                <a:hueMod val="88000"/>
+                <a:satMod val="130000"/>
+                <a:lumMod val="124000"/>
+              </a:schemeClr>
+            </a:gs>
+            <a:gs pos="100000">
+              <a:schemeClr val="bg1">
+                <a:tint val="96000"/>
+                <a:shade val="88000"/>
+                <a:hueMod val="108000"/>
+                <a:satMod val="164000"/>
+                <a:lumMod val="76000"/>
+              </a:schemeClr>
+            </a:gs>
+          </a:gsLst>
+          <a:path path="circle">
+            <a:fillToRect l="45000" t="65000" r="125000" b="100000"/>
+          </a:path>
+        </a:gradFill>
+        <a:effectLst/>
+      </p:bgPr>
+    </p:bg>
     <p:spTree>
       <p:nvGrpSpPr>
         <p:cNvPr id="1" name=""/>
@@ -8829,78 +10225,163 @@
           <a:chExt cx="0" cy="0"/>
         </a:xfrm>
       </p:grpSpPr>
-      <p:sp>
-        <p:nvSpPr>
-          <p:cNvPr id="2" name="Title 1">
+      <p:sp useBgFill="1">
+        <p:nvSpPr>
+          <p:cNvPr id="8" name="Rectangle 7">
             <a:extLst>
               <a:ext uri="{FF2B5EF4-FFF2-40B4-BE49-F238E27FC236}">
-                <a16:creationId xmlns:a16="http://schemas.microsoft.com/office/drawing/2014/main" id="{036462C1-D696-B646-97F3-6A20976A643D}"/>
+                <a16:creationId xmlns:a16="http://schemas.microsoft.com/office/drawing/2014/main" id="{B0487C8F-7D6C-4EAF-A9A5-45D8E94FC2C9}"/>
+              </a:ext>
+              <a:ext uri="{C183D7F6-B498-43B3-948B-1728B52AA6E4}">
+                <adec:decorative xmlns:adec="http://schemas.microsoft.com/office/drawing/2017/decorative" val="1"/>
               </a:ext>
             </a:extLst>
           </p:cNvPr>
           <p:cNvSpPr>
-            <a:spLocks noGrp="1"/>
-          </p:cNvSpPr>
-          <p:nvPr>
-            <p:ph type="title"/>
-          </p:nvPr>
-        </p:nvSpPr>
-        <p:spPr/>
-        <p:txBody>
-          <a:bodyPr/>
+            <a:spLocks noGrp="1" noRot="1" noChangeAspect="1" noMove="1" noResize="1" noEditPoints="1" noAdjustHandles="1" noChangeArrowheads="1" noChangeShapeType="1" noTextEdit="1"/>
+          </p:cNvSpPr>
+          <p:nvPr>
+            <p:extLst>
+              <p:ext uri="{386F3935-93C4-4BCD-93E2-E3B085C9AB24}">
+                <p16:designElem xmlns:p16="http://schemas.microsoft.com/office/powerpoint/2015/main" val="1"/>
+              </p:ext>
+            </p:extLst>
+          </p:nvPr>
+        </p:nvSpPr>
+        <p:spPr>
+          <a:xfrm>
+            <a:off x="0" y="0"/>
+            <a:ext cx="12192000" cy="6858000"/>
+          </a:xfrm>
+          <a:prstGeom prst="rect">
+            <a:avLst/>
+          </a:prstGeom>
+          <a:ln>
+            <a:noFill/>
+          </a:ln>
+        </p:spPr>
+        <p:style>
+          <a:lnRef idx="2">
+            <a:schemeClr val="accent1">
+              <a:shade val="50000"/>
+            </a:schemeClr>
+          </a:lnRef>
+          <a:fillRef idx="1">
+            <a:schemeClr val="accent1"/>
+          </a:fillRef>
+          <a:effectRef idx="0">
+            <a:schemeClr val="accent1"/>
+          </a:effectRef>
+          <a:fontRef idx="minor">
+            <a:schemeClr val="lt1"/>
+          </a:fontRef>
+        </p:style>
+        <p:txBody>
+          <a:bodyPr rtlCol="0" anchor="ctr"/>
           <a:lstStyle/>
           <a:p>
-            <a:r>
-              <a:rPr lang="en-US" dirty="0"/>
-              <a:t>Conclusions</a:t>
-            </a:r>
-          </a:p>
-        </p:txBody>
-      </p:sp>
-      <p:sp>
-        <p:nvSpPr>
-          <p:cNvPr id="3" name="Content Placeholder 2">
+            <a:pPr algn="ctr"/>
+            <a:endParaRPr lang="en-US"/>
+          </a:p>
+        </p:txBody>
+      </p:sp>
+      <p:sp>
+        <p:nvSpPr>
+          <p:cNvPr id="10" name="Rectangle 9">
             <a:extLst>
               <a:ext uri="{FF2B5EF4-FFF2-40B4-BE49-F238E27FC236}">
-                <a16:creationId xmlns:a16="http://schemas.microsoft.com/office/drawing/2014/main" id="{995965F6-AD1E-064E-81F3-659072DD6E60}"/>
+                <a16:creationId xmlns:a16="http://schemas.microsoft.com/office/drawing/2014/main" id="{1578DA0F-394A-417D-892B-8253831A2587}"/>
+              </a:ext>
+              <a:ext uri="{C183D7F6-B498-43B3-948B-1728B52AA6E4}">
+                <adec:decorative xmlns:adec="http://schemas.microsoft.com/office/drawing/2017/decorative" val="1"/>
               </a:ext>
             </a:extLst>
           </p:cNvPr>
           <p:cNvSpPr>
-            <a:spLocks noGrp="1"/>
-          </p:cNvSpPr>
-          <p:nvPr>
-            <p:ph idx="1"/>
-          </p:nvPr>
-        </p:nvSpPr>
-        <p:spPr/>
-        <p:txBody>
-          <a:bodyPr/>
+            <a:spLocks noGrp="1" noRot="1" noChangeAspect="1" noMove="1" noResize="1" noEditPoints="1" noAdjustHandles="1" noChangeArrowheads="1" noChangeShapeType="1" noTextEdit="1"/>
+          </p:cNvSpPr>
+          <p:nvPr>
+            <p:extLst>
+              <p:ext uri="{386F3935-93C4-4BCD-93E2-E3B085C9AB24}">
+                <p16:designElem xmlns:p16="http://schemas.microsoft.com/office/powerpoint/2015/main" val="1"/>
+              </p:ext>
+            </p:extLst>
+          </p:nvPr>
+        </p:nvSpPr>
+        <p:spPr>
+          <a:xfrm>
+            <a:off x="477012" y="480060"/>
+            <a:ext cx="11237976" cy="5897880"/>
+          </a:xfrm>
+          <a:prstGeom prst="rect">
+            <a:avLst/>
+          </a:prstGeom>
+          <a:solidFill>
+            <a:srgbClr val="FFFFFF"/>
+          </a:solidFill>
+          <a:ln>
+            <a:noFill/>
+          </a:ln>
+        </p:spPr>
+        <p:style>
+          <a:lnRef idx="2">
+            <a:schemeClr val="accent1">
+              <a:shade val="50000"/>
+            </a:schemeClr>
+          </a:lnRef>
+          <a:fillRef idx="1">
+            <a:schemeClr val="accent1"/>
+          </a:fillRef>
+          <a:effectRef idx="0">
+            <a:schemeClr val="accent1"/>
+          </a:effectRef>
+          <a:fontRef idx="minor">
+            <a:schemeClr val="lt1"/>
+          </a:fontRef>
+        </p:style>
+        <p:txBody>
+          <a:bodyPr rtlCol="0" anchor="ctr"/>
           <a:lstStyle/>
           <a:p>
-            <a:r>
-              <a:rPr lang="en-US" dirty="0"/>
-              <a:t>We were able to make models that fairly accurately predicted whether or not a passenger would survive</a:t>
-            </a:r>
-          </a:p>
-          <a:p>
-            <a:r>
-              <a:rPr lang="en-US" dirty="0"/>
-              <a:t>Given all the data minus survival information, we could predict close to 80+% of the passengers</a:t>
-            </a:r>
-          </a:p>
-          <a:p>
+            <a:pPr algn="ctr"/>
             <a:endParaRPr lang="en-US" dirty="0"/>
           </a:p>
-          <a:p>
-            <a:endParaRPr lang="en-US" dirty="0"/>
-          </a:p>
-        </p:txBody>
-      </p:sp>
+        </p:txBody>
+      </p:sp>
+      <p:pic>
+        <p:nvPicPr>
+          <p:cNvPr id="3" name="Picture 2" descr="Diagram&#10;&#10;Description automatically generated">
+            <a:extLst>
+              <a:ext uri="{FF2B5EF4-FFF2-40B4-BE49-F238E27FC236}">
+                <a16:creationId xmlns:a16="http://schemas.microsoft.com/office/drawing/2014/main" id="{F9589A40-54B3-C046-8EF9-07E6293E9BC8}"/>
+              </a:ext>
+            </a:extLst>
+          </p:cNvPr>
+          <p:cNvPicPr>
+            <a:picLocks noChangeAspect="1"/>
+          </p:cNvPicPr>
+          <p:nvPr/>
+        </p:nvPicPr>
+        <p:blipFill>
+          <a:blip r:embed="rId2"/>
+          <a:stretch>
+            <a:fillRect/>
+          </a:stretch>
+        </p:blipFill>
+        <p:spPr>
+          <a:xfrm>
+            <a:off x="643467" y="1098043"/>
+            <a:ext cx="10905066" cy="4661914"/>
+          </a:xfrm>
+          <a:prstGeom prst="rect">
+            <a:avLst/>
+          </a:prstGeom>
+        </p:spPr>
+      </p:pic>
     </p:spTree>
     <p:extLst>
       <p:ext uri="{BB962C8B-B14F-4D97-AF65-F5344CB8AC3E}">
-        <p14:creationId xmlns:p14="http://schemas.microsoft.com/office/powerpoint/2010/main" val="733211215"/>
+        <p14:creationId xmlns:p14="http://schemas.microsoft.com/office/powerpoint/2010/main" val="261837669"/>
       </p:ext>
     </p:extLst>
   </p:cSld>

--- a/Presentation.pptx
+++ b/Presentation.pptx
@@ -9735,6 +9735,18 @@
           <a:bodyPr/>
           <a:lstStyle/>
           <a:p>
+            <a:r>
+              <a:rPr lang="en-US" dirty="0"/>
+              <a:t>.985 Train Score</a:t>
+            </a:r>
+          </a:p>
+          <a:p>
+            <a:r>
+              <a:rPr lang="en-US" dirty="0"/>
+              <a:t>.794 Test Score</a:t>
+            </a:r>
+          </a:p>
+          <a:p>
             <a:endParaRPr lang="en-US" dirty="0"/>
           </a:p>
         </p:txBody>
@@ -9788,7 +9800,16 @@
           <a:bodyPr/>
           <a:lstStyle/>
           <a:p>
-            <a:endParaRPr lang="en-US" dirty="0"/>
+            <a:r>
+              <a:rPr lang="en-US" dirty="0"/>
+              <a:t>.480 Loss</a:t>
+            </a:r>
+          </a:p>
+          <a:p>
+            <a:r>
+              <a:rPr lang="en-US" dirty="0"/>
+              <a:t>.768 Accuracy</a:t>
+            </a:r>
           </a:p>
         </p:txBody>
       </p:sp>
@@ -9820,37 +9841,12 @@
           </a:p>
         </p:txBody>
       </p:sp>
-      <p:sp>
-        <p:nvSpPr>
-          <p:cNvPr id="8" name="Text Placeholder 7">
+      <p:pic>
+        <p:nvPicPr>
+          <p:cNvPr id="11" name="Picture 10" descr="Graphical user interface, application&#10;&#10;Description automatically generated">
             <a:extLst>
               <a:ext uri="{FF2B5EF4-FFF2-40B4-BE49-F238E27FC236}">
-                <a16:creationId xmlns:a16="http://schemas.microsoft.com/office/drawing/2014/main" id="{D308EDD4-EA25-324F-B1D7-326706DEB949}"/>
-              </a:ext>
-            </a:extLst>
-          </p:cNvPr>
-          <p:cNvSpPr>
-            <a:spLocks noGrp="1"/>
-          </p:cNvSpPr>
-          <p:nvPr>
-            <p:ph type="body" sz="half" idx="17"/>
-          </p:nvPr>
-        </p:nvSpPr>
-        <p:spPr/>
-        <p:txBody>
-          <a:bodyPr/>
-          <a:lstStyle/>
-          <a:p>
-            <a:endParaRPr lang="en-US" dirty="0"/>
-          </a:p>
-        </p:txBody>
-      </p:sp>
-      <p:pic>
-        <p:nvPicPr>
-          <p:cNvPr id="10" name="Picture 9" descr="Text, letter&#10;&#10;Description automatically generated">
-            <a:extLst>
-              <a:ext uri="{FF2B5EF4-FFF2-40B4-BE49-F238E27FC236}">
-                <a16:creationId xmlns:a16="http://schemas.microsoft.com/office/drawing/2014/main" id="{B95FE5B8-C122-1543-8358-D777DE0F6111}"/>
+                <a16:creationId xmlns:a16="http://schemas.microsoft.com/office/drawing/2014/main" id="{BDEB99C2-85AC-7444-A201-B18CEE6B8A61}"/>
               </a:ext>
             </a:extLst>
           </p:cNvPr>
@@ -9867,8 +9863,8 @@
         </p:blipFill>
         <p:spPr>
           <a:xfrm>
-            <a:off x="549433" y="2664840"/>
-            <a:ext cx="3171273" cy="1856232"/>
+            <a:off x="6996149" y="2632872"/>
+            <a:ext cx="2894735" cy="877441"/>
           </a:xfrm>
           <a:prstGeom prst="rect">
             <a:avLst/>
@@ -9877,10 +9873,10 @@
       </p:pic>
       <p:pic>
         <p:nvPicPr>
-          <p:cNvPr id="19" name="Picture 18" descr="Text&#10;&#10;Description automatically generated with medium confidence">
+          <p:cNvPr id="13" name="Picture 12" descr="Table&#10;&#10;Description automatically generated">
             <a:extLst>
               <a:ext uri="{FF2B5EF4-FFF2-40B4-BE49-F238E27FC236}">
-                <a16:creationId xmlns:a16="http://schemas.microsoft.com/office/drawing/2014/main" id="{B594AA2F-478E-B643-9543-A1453E04EE9F}"/>
+                <a16:creationId xmlns:a16="http://schemas.microsoft.com/office/drawing/2014/main" id="{326D5DD1-3869-FC44-8B97-F2087347F0F3}"/>
               </a:ext>
             </a:extLst>
           </p:cNvPr>
@@ -9897,128 +9893,8 @@
         </p:blipFill>
         <p:spPr>
           <a:xfrm>
-            <a:off x="4236176" y="2514113"/>
-            <a:ext cx="2220654" cy="2301597"/>
-          </a:xfrm>
-          <a:prstGeom prst="rect">
-            <a:avLst/>
-          </a:prstGeom>
-        </p:spPr>
-      </p:pic>
-      <p:pic>
-        <p:nvPicPr>
-          <p:cNvPr id="21" name="Picture 20" descr="Graphical user interface, text, application&#10;&#10;Description automatically generated">
-            <a:extLst>
-              <a:ext uri="{FF2B5EF4-FFF2-40B4-BE49-F238E27FC236}">
-                <a16:creationId xmlns:a16="http://schemas.microsoft.com/office/drawing/2014/main" id="{C036DBC5-2781-7649-A2CB-8490D42DCBFB}"/>
-              </a:ext>
-            </a:extLst>
-          </p:cNvPr>
-          <p:cNvPicPr>
-            <a:picLocks noChangeAspect="1"/>
-          </p:cNvPicPr>
-          <p:nvPr/>
-        </p:nvPicPr>
-        <p:blipFill>
-          <a:blip r:embed="rId4"/>
-          <a:stretch>
-            <a:fillRect/>
-          </a:stretch>
-        </p:blipFill>
-        <p:spPr>
-          <a:xfrm>
-            <a:off x="4236176" y="4675908"/>
-            <a:ext cx="2220654" cy="1478102"/>
-          </a:xfrm>
-          <a:prstGeom prst="rect">
-            <a:avLst/>
-          </a:prstGeom>
-        </p:spPr>
-      </p:pic>
-      <p:pic>
-        <p:nvPicPr>
-          <p:cNvPr id="23" name="Picture 22" descr="Graphical user interface, text, application&#10;&#10;Description automatically generated">
-            <a:extLst>
-              <a:ext uri="{FF2B5EF4-FFF2-40B4-BE49-F238E27FC236}">
-                <a16:creationId xmlns:a16="http://schemas.microsoft.com/office/drawing/2014/main" id="{05A3B487-E014-0342-A2AE-E57796593904}"/>
-              </a:ext>
-            </a:extLst>
-          </p:cNvPr>
-          <p:cNvPicPr>
-            <a:picLocks noChangeAspect="1"/>
-          </p:cNvPicPr>
-          <p:nvPr/>
-        </p:nvPicPr>
-        <p:blipFill>
-          <a:blip r:embed="rId5"/>
-          <a:stretch>
-            <a:fillRect/>
-          </a:stretch>
-        </p:blipFill>
-        <p:spPr>
-          <a:xfrm>
-            <a:off x="7901023" y="2603297"/>
-            <a:ext cx="1379465" cy="1394793"/>
-          </a:xfrm>
-          <a:prstGeom prst="rect">
-            <a:avLst/>
-          </a:prstGeom>
-        </p:spPr>
-      </p:pic>
-      <p:pic>
-        <p:nvPicPr>
-          <p:cNvPr id="25" name="Picture 24" descr="Text&#10;&#10;Description automatically generated">
-            <a:extLst>
-              <a:ext uri="{FF2B5EF4-FFF2-40B4-BE49-F238E27FC236}">
-                <a16:creationId xmlns:a16="http://schemas.microsoft.com/office/drawing/2014/main" id="{51BE1D29-5211-3F46-919E-EDD305DA95F3}"/>
-              </a:ext>
-            </a:extLst>
-          </p:cNvPr>
-          <p:cNvPicPr>
-            <a:picLocks noChangeAspect="1"/>
-          </p:cNvPicPr>
-          <p:nvPr/>
-        </p:nvPicPr>
-        <p:blipFill>
-          <a:blip r:embed="rId6"/>
-          <a:stretch>
-            <a:fillRect/>
-          </a:stretch>
-        </p:blipFill>
-        <p:spPr>
-          <a:xfrm>
-            <a:off x="7901023" y="3805117"/>
-            <a:ext cx="1379465" cy="1256259"/>
-          </a:xfrm>
-          <a:prstGeom prst="rect">
-            <a:avLst/>
-          </a:prstGeom>
-        </p:spPr>
-      </p:pic>
-      <p:pic>
-        <p:nvPicPr>
-          <p:cNvPr id="27" name="Picture 26" descr="Diagram&#10;&#10;Description automatically generated">
-            <a:extLst>
-              <a:ext uri="{FF2B5EF4-FFF2-40B4-BE49-F238E27FC236}">
-                <a16:creationId xmlns:a16="http://schemas.microsoft.com/office/drawing/2014/main" id="{7148548D-2BE2-CB43-81AC-191421D864C3}"/>
-              </a:ext>
-            </a:extLst>
-          </p:cNvPr>
-          <p:cNvPicPr>
-            <a:picLocks noChangeAspect="1"/>
-          </p:cNvPicPr>
-          <p:nvPr/>
-        </p:nvPicPr>
-        <p:blipFill>
-          <a:blip r:embed="rId7"/>
-          <a:stretch>
-            <a:fillRect/>
-          </a:stretch>
-        </p:blipFill>
-        <p:spPr>
-          <a:xfrm>
-            <a:off x="7901023" y="4753870"/>
-            <a:ext cx="1379465" cy="829869"/>
+            <a:off x="6996151" y="3510314"/>
+            <a:ext cx="2894734" cy="1116918"/>
           </a:xfrm>
           <a:prstGeom prst="rect">
             <a:avLst/>
